--- a/Figures and Paper/Figure PPTs/Rotating Jet Figure.pptx
+++ b/Figures and Paper/Figure PPTs/Rotating Jet Figure.pptx
@@ -2,18 +2,18 @@
 <file path=ppt/presentation.xml><?xml version="1.0" encoding="utf-8"?>
 <p:presentation xmlns:a="http://schemas.openxmlformats.org/drawingml/2006/main" xmlns:r="http://schemas.openxmlformats.org/officeDocument/2006/relationships" xmlns:p="http://schemas.openxmlformats.org/presentationml/2006/main" saveSubsetFonts="1">
   <p:sldMasterIdLst>
-    <p:sldMasterId id="2147483648" r:id="rId1"/>
+    <p:sldMasterId id="2147483684" r:id="rId1"/>
   </p:sldMasterIdLst>
   <p:sldIdLst>
     <p:sldId id="256" r:id="rId2"/>
   </p:sldIdLst>
-  <p:sldSz cx="12192000" cy="6858000"/>
+  <p:sldSz cx="5943600" cy="3429000"/>
   <p:notesSz cx="6858000" cy="9144000"/>
   <p:defaultTextStyle>
     <a:defPPr>
       <a:defRPr lang="en-US"/>
     </a:defPPr>
-    <a:lvl1pPr marL="0" algn="l" defTabSz="914400" rtl="0" eaLnBrk="1" latinLnBrk="0" hangingPunct="1">
+    <a:lvl1pPr marL="0" algn="l" defTabSz="457200" rtl="0" eaLnBrk="1" latinLnBrk="0" hangingPunct="1">
       <a:defRPr sz="1800" kern="1200">
         <a:solidFill>
           <a:schemeClr val="tx1"/>
@@ -23,7 +23,7 @@
         <a:cs typeface="+mn-cs"/>
       </a:defRPr>
     </a:lvl1pPr>
-    <a:lvl2pPr marL="457200" algn="l" defTabSz="914400" rtl="0" eaLnBrk="1" latinLnBrk="0" hangingPunct="1">
+    <a:lvl2pPr marL="457200" algn="l" defTabSz="457200" rtl="0" eaLnBrk="1" latinLnBrk="0" hangingPunct="1">
       <a:defRPr sz="1800" kern="1200">
         <a:solidFill>
           <a:schemeClr val="tx1"/>
@@ -33,7 +33,7 @@
         <a:cs typeface="+mn-cs"/>
       </a:defRPr>
     </a:lvl2pPr>
-    <a:lvl3pPr marL="914400" algn="l" defTabSz="914400" rtl="0" eaLnBrk="1" latinLnBrk="0" hangingPunct="1">
+    <a:lvl3pPr marL="914400" algn="l" defTabSz="457200" rtl="0" eaLnBrk="1" latinLnBrk="0" hangingPunct="1">
       <a:defRPr sz="1800" kern="1200">
         <a:solidFill>
           <a:schemeClr val="tx1"/>
@@ -43,7 +43,7 @@
         <a:cs typeface="+mn-cs"/>
       </a:defRPr>
     </a:lvl3pPr>
-    <a:lvl4pPr marL="1371600" algn="l" defTabSz="914400" rtl="0" eaLnBrk="1" latinLnBrk="0" hangingPunct="1">
+    <a:lvl4pPr marL="1371600" algn="l" defTabSz="457200" rtl="0" eaLnBrk="1" latinLnBrk="0" hangingPunct="1">
       <a:defRPr sz="1800" kern="1200">
         <a:solidFill>
           <a:schemeClr val="tx1"/>
@@ -53,7 +53,7 @@
         <a:cs typeface="+mn-cs"/>
       </a:defRPr>
     </a:lvl4pPr>
-    <a:lvl5pPr marL="1828800" algn="l" defTabSz="914400" rtl="0" eaLnBrk="1" latinLnBrk="0" hangingPunct="1">
+    <a:lvl5pPr marL="1828800" algn="l" defTabSz="457200" rtl="0" eaLnBrk="1" latinLnBrk="0" hangingPunct="1">
       <a:defRPr sz="1800" kern="1200">
         <a:solidFill>
           <a:schemeClr val="tx1"/>
@@ -63,7 +63,7 @@
         <a:cs typeface="+mn-cs"/>
       </a:defRPr>
     </a:lvl5pPr>
-    <a:lvl6pPr marL="2286000" algn="l" defTabSz="914400" rtl="0" eaLnBrk="1" latinLnBrk="0" hangingPunct="1">
+    <a:lvl6pPr marL="2286000" algn="l" defTabSz="457200" rtl="0" eaLnBrk="1" latinLnBrk="0" hangingPunct="1">
       <a:defRPr sz="1800" kern="1200">
         <a:solidFill>
           <a:schemeClr val="tx1"/>
@@ -73,7 +73,7 @@
         <a:cs typeface="+mn-cs"/>
       </a:defRPr>
     </a:lvl6pPr>
-    <a:lvl7pPr marL="2743200" algn="l" defTabSz="914400" rtl="0" eaLnBrk="1" latinLnBrk="0" hangingPunct="1">
+    <a:lvl7pPr marL="2743200" algn="l" defTabSz="457200" rtl="0" eaLnBrk="1" latinLnBrk="0" hangingPunct="1">
       <a:defRPr sz="1800" kern="1200">
         <a:solidFill>
           <a:schemeClr val="tx1"/>
@@ -83,7 +83,7 @@
         <a:cs typeface="+mn-cs"/>
       </a:defRPr>
     </a:lvl7pPr>
-    <a:lvl8pPr marL="3200400" algn="l" defTabSz="914400" rtl="0" eaLnBrk="1" latinLnBrk="0" hangingPunct="1">
+    <a:lvl8pPr marL="3200400" algn="l" defTabSz="457200" rtl="0" eaLnBrk="1" latinLnBrk="0" hangingPunct="1">
       <a:defRPr sz="1800" kern="1200">
         <a:solidFill>
           <a:schemeClr val="tx1"/>
@@ -93,7 +93,7 @@
         <a:cs typeface="+mn-cs"/>
       </a:defRPr>
     </a:lvl8pPr>
-    <a:lvl9pPr marL="3657600" algn="l" defTabSz="914400" rtl="0" eaLnBrk="1" latinLnBrk="0" hangingPunct="1">
+    <a:lvl9pPr marL="3657600" algn="l" defTabSz="457200" rtl="0" eaLnBrk="1" latinLnBrk="0" hangingPunct="1">
       <a:defRPr sz="1800" kern="1200">
         <a:solidFill>
           <a:schemeClr val="tx1"/>
@@ -104,6 +104,23 @@
       </a:defRPr>
     </a:lvl9pPr>
   </p:defaultTextStyle>
+  <p:extLst>
+    <p:ext uri="{521415D9-36F7-43E2-AB2F-B90AF26B5E84}">
+      <p14:sectionLst xmlns:p14="http://schemas.microsoft.com/office/powerpoint/2010/main">
+        <p14:section name="Untitled Section" id="{B7D5304C-8888-4497-BDE6-367F669CE71C}">
+          <p14:sldIdLst/>
+        </p14:section>
+        <p14:section name="Untitled Section" id="{1647A0C1-1817-4B6C-957B-343695397E4F}">
+          <p14:sldIdLst>
+            <p14:sldId id="256"/>
+          </p14:sldIdLst>
+        </p14:section>
+      </p14:sectionLst>
+    </p:ext>
+    <p:ext uri="{EFAFB233-063F-42B5-8137-9DF3F51BA10A}">
+      <p15:sldGuideLst xmlns:p15="http://schemas.microsoft.com/office/powerpoint/2012/main"/>
+    </p:ext>
+  </p:extLst>
 </p:presentation>
 </file>
 
@@ -126,13 +143,7 @@
       </p:grpSpPr>
       <p:sp>
         <p:nvSpPr>
-          <p:cNvPr id="2" name="Title 1">
-            <a:extLst>
-              <a:ext uri="{FF2B5EF4-FFF2-40B4-BE49-F238E27FC236}">
-                <a16:creationId xmlns:a16="http://schemas.microsoft.com/office/drawing/2014/main" id="{96F98337-87BD-4503-83DC-AFEE69D45354}"/>
-              </a:ext>
-            </a:extLst>
-          </p:cNvPr>
+          <p:cNvPr id="2" name="Title 1"/>
           <p:cNvSpPr>
             <a:spLocks noGrp="1"/>
           </p:cNvSpPr>
@@ -142,15 +153,15 @@
         </p:nvSpPr>
         <p:spPr>
           <a:xfrm>
-            <a:off x="1524000" y="1122363"/>
-            <a:ext cx="9144000" cy="2387600"/>
+            <a:off x="742950" y="561182"/>
+            <a:ext cx="4457700" cy="1193800"/>
           </a:xfrm>
         </p:spPr>
         <p:txBody>
           <a:bodyPr anchor="b"/>
           <a:lstStyle>
             <a:lvl1pPr algn="ctr">
-              <a:defRPr sz="6000"/>
+              <a:defRPr sz="2925"/>
             </a:lvl1pPr>
           </a:lstStyle>
           <a:p>
@@ -158,18 +169,13 @@
               <a:rPr lang="en-US"/>
               <a:t>Click to edit Master title style</a:t>
             </a:r>
-          </a:p>
-        </p:txBody>
-      </p:sp>
-      <p:sp>
-        <p:nvSpPr>
-          <p:cNvPr id="3" name="Subtitle 2">
-            <a:extLst>
-              <a:ext uri="{FF2B5EF4-FFF2-40B4-BE49-F238E27FC236}">
-                <a16:creationId xmlns:a16="http://schemas.microsoft.com/office/drawing/2014/main" id="{414111D1-5D67-45C7-AFF7-8C0D0C3DD297}"/>
-              </a:ext>
-            </a:extLst>
-          </p:cNvPr>
+            <a:endParaRPr lang="en-US" dirty="0"/>
+          </a:p>
+        </p:txBody>
+      </p:sp>
+      <p:sp>
+        <p:nvSpPr>
+          <p:cNvPr id="3" name="Subtitle 2"/>
           <p:cNvSpPr>
             <a:spLocks noGrp="1"/>
           </p:cNvSpPr>
@@ -179,8 +185,8 @@
         </p:nvSpPr>
         <p:spPr>
           <a:xfrm>
-            <a:off x="1524000" y="3602038"/>
-            <a:ext cx="9144000" cy="1655762"/>
+            <a:off x="742950" y="1801019"/>
+            <a:ext cx="4457700" cy="827881"/>
           </a:xfrm>
         </p:spPr>
         <p:txBody>
@@ -188,39 +194,39 @@
           <a:lstStyle>
             <a:lvl1pPr marL="0" indent="0" algn="ctr">
               <a:buNone/>
-              <a:defRPr sz="2400"/>
+              <a:defRPr sz="1170"/>
             </a:lvl1pPr>
-            <a:lvl2pPr marL="457200" indent="0" algn="ctr">
-              <a:buNone/>
-              <a:defRPr sz="2000"/>
+            <a:lvl2pPr marL="222885" indent="0" algn="ctr">
+              <a:buNone/>
+              <a:defRPr sz="975"/>
             </a:lvl2pPr>
-            <a:lvl3pPr marL="914400" indent="0" algn="ctr">
-              <a:buNone/>
-              <a:defRPr sz="1800"/>
+            <a:lvl3pPr marL="445770" indent="0" algn="ctr">
+              <a:buNone/>
+              <a:defRPr sz="878"/>
             </a:lvl3pPr>
-            <a:lvl4pPr marL="1371600" indent="0" algn="ctr">
-              <a:buNone/>
-              <a:defRPr sz="1600"/>
+            <a:lvl4pPr marL="668655" indent="0" algn="ctr">
+              <a:buNone/>
+              <a:defRPr sz="780"/>
             </a:lvl4pPr>
-            <a:lvl5pPr marL="1828800" indent="0" algn="ctr">
-              <a:buNone/>
-              <a:defRPr sz="1600"/>
+            <a:lvl5pPr marL="891540" indent="0" algn="ctr">
+              <a:buNone/>
+              <a:defRPr sz="780"/>
             </a:lvl5pPr>
-            <a:lvl6pPr marL="2286000" indent="0" algn="ctr">
-              <a:buNone/>
-              <a:defRPr sz="1600"/>
+            <a:lvl6pPr marL="1114425" indent="0" algn="ctr">
+              <a:buNone/>
+              <a:defRPr sz="780"/>
             </a:lvl6pPr>
-            <a:lvl7pPr marL="2743200" indent="0" algn="ctr">
-              <a:buNone/>
-              <a:defRPr sz="1600"/>
+            <a:lvl7pPr marL="1337310" indent="0" algn="ctr">
+              <a:buNone/>
+              <a:defRPr sz="780"/>
             </a:lvl7pPr>
-            <a:lvl8pPr marL="3200400" indent="0" algn="ctr">
-              <a:buNone/>
-              <a:defRPr sz="1600"/>
+            <a:lvl8pPr marL="1560195" indent="0" algn="ctr">
+              <a:buNone/>
+              <a:defRPr sz="780"/>
             </a:lvl8pPr>
-            <a:lvl9pPr marL="3657600" indent="0" algn="ctr">
-              <a:buNone/>
-              <a:defRPr sz="1600"/>
+            <a:lvl9pPr marL="1783080" indent="0" algn="ctr">
+              <a:buNone/>
+              <a:defRPr sz="780"/>
             </a:lvl9pPr>
           </a:lstStyle>
           <a:p>
@@ -228,18 +234,13 @@
               <a:rPr lang="en-US"/>
               <a:t>Click to edit Master subtitle style</a:t>
             </a:r>
-          </a:p>
-        </p:txBody>
-      </p:sp>
-      <p:sp>
-        <p:nvSpPr>
-          <p:cNvPr id="4" name="Date Placeholder 3">
-            <a:extLst>
-              <a:ext uri="{FF2B5EF4-FFF2-40B4-BE49-F238E27FC236}">
-                <a16:creationId xmlns:a16="http://schemas.microsoft.com/office/drawing/2014/main" id="{A03F1397-6FCC-4C47-A710-EDA13EBCC329}"/>
-              </a:ext>
-            </a:extLst>
-          </p:cNvPr>
+            <a:endParaRPr lang="en-US" dirty="0"/>
+          </a:p>
+        </p:txBody>
+      </p:sp>
+      <p:sp>
+        <p:nvSpPr>
+          <p:cNvPr id="4" name="Date Placeholder 3"/>
           <p:cNvSpPr>
             <a:spLocks noGrp="1"/>
           </p:cNvSpPr>
@@ -254,7 +255,7 @@
           <a:p>
             <a:fld id="{3E20E250-9939-442D-A8F6-E35D748AD031}" type="datetimeFigureOut">
               <a:rPr lang="en-US" smtClean="0"/>
-              <a:t>7/18/2022</a:t>
+              <a:t>9/14/2022</a:t>
             </a:fld>
             <a:endParaRPr lang="en-US"/>
           </a:p>
@@ -262,13 +263,7 @@
       </p:sp>
       <p:sp>
         <p:nvSpPr>
-          <p:cNvPr id="5" name="Footer Placeholder 4">
-            <a:extLst>
-              <a:ext uri="{FF2B5EF4-FFF2-40B4-BE49-F238E27FC236}">
-                <a16:creationId xmlns:a16="http://schemas.microsoft.com/office/drawing/2014/main" id="{77103E15-B8A6-4B64-A93C-C32FDE11502C}"/>
-              </a:ext>
-            </a:extLst>
-          </p:cNvPr>
+          <p:cNvPr id="5" name="Footer Placeholder 4"/>
           <p:cNvSpPr>
             <a:spLocks noGrp="1"/>
           </p:cNvSpPr>
@@ -287,13 +282,7 @@
       </p:sp>
       <p:sp>
         <p:nvSpPr>
-          <p:cNvPr id="6" name="Slide Number Placeholder 5">
-            <a:extLst>
-              <a:ext uri="{FF2B5EF4-FFF2-40B4-BE49-F238E27FC236}">
-                <a16:creationId xmlns:a16="http://schemas.microsoft.com/office/drawing/2014/main" id="{6115C4D9-162C-452F-BD53-9E782664FD37}"/>
-              </a:ext>
-            </a:extLst>
-          </p:cNvPr>
+          <p:cNvPr id="6" name="Slide Number Placeholder 5"/>
           <p:cNvSpPr>
             <a:spLocks noGrp="1"/>
           </p:cNvSpPr>
@@ -317,7 +306,7 @@
     </p:spTree>
     <p:extLst>
       <p:ext uri="{BB962C8B-B14F-4D97-AF65-F5344CB8AC3E}">
-        <p14:creationId xmlns:p14="http://schemas.microsoft.com/office/powerpoint/2010/main" val="3631437568"/>
+        <p14:creationId xmlns:p14="http://schemas.microsoft.com/office/powerpoint/2010/main" val="726340046"/>
       </p:ext>
     </p:extLst>
   </p:cSld>
@@ -346,13 +335,7 @@
       </p:grpSpPr>
       <p:sp>
         <p:nvSpPr>
-          <p:cNvPr id="2" name="Title 1">
-            <a:extLst>
-              <a:ext uri="{FF2B5EF4-FFF2-40B4-BE49-F238E27FC236}">
-                <a16:creationId xmlns:a16="http://schemas.microsoft.com/office/drawing/2014/main" id="{856F3F27-DCC5-4E72-BCF2-549475CB15B6}"/>
-              </a:ext>
-            </a:extLst>
-          </p:cNvPr>
+          <p:cNvPr id="2" name="Title 1"/>
           <p:cNvSpPr>
             <a:spLocks noGrp="1"/>
           </p:cNvSpPr>
@@ -369,18 +352,13 @@
               <a:rPr lang="en-US"/>
               <a:t>Click to edit Master title style</a:t>
             </a:r>
-          </a:p>
-        </p:txBody>
-      </p:sp>
-      <p:sp>
-        <p:nvSpPr>
-          <p:cNvPr id="3" name="Vertical Text Placeholder 2">
-            <a:extLst>
-              <a:ext uri="{FF2B5EF4-FFF2-40B4-BE49-F238E27FC236}">
-                <a16:creationId xmlns:a16="http://schemas.microsoft.com/office/drawing/2014/main" id="{53DDDCAC-0BAD-4A24-8A09-F8E32D302BD2}"/>
-              </a:ext>
-            </a:extLst>
-          </p:cNvPr>
+            <a:endParaRPr lang="en-US" dirty="0"/>
+          </a:p>
+        </p:txBody>
+      </p:sp>
+      <p:sp>
+        <p:nvSpPr>
+          <p:cNvPr id="3" name="Vertical Text Placeholder 2"/>
           <p:cNvSpPr>
             <a:spLocks noGrp="1"/>
           </p:cNvSpPr>
@@ -426,18 +404,13 @@
               <a:rPr lang="en-US"/>
               <a:t>Fifth level</a:t>
             </a:r>
-          </a:p>
-        </p:txBody>
-      </p:sp>
-      <p:sp>
-        <p:nvSpPr>
-          <p:cNvPr id="4" name="Date Placeholder 3">
-            <a:extLst>
-              <a:ext uri="{FF2B5EF4-FFF2-40B4-BE49-F238E27FC236}">
-                <a16:creationId xmlns:a16="http://schemas.microsoft.com/office/drawing/2014/main" id="{59345095-9C8D-41E0-9889-5E0CE2036623}"/>
-              </a:ext>
-            </a:extLst>
-          </p:cNvPr>
+            <a:endParaRPr lang="en-US" dirty="0"/>
+          </a:p>
+        </p:txBody>
+      </p:sp>
+      <p:sp>
+        <p:nvSpPr>
+          <p:cNvPr id="4" name="Date Placeholder 3"/>
           <p:cNvSpPr>
             <a:spLocks noGrp="1"/>
           </p:cNvSpPr>
@@ -452,7 +425,7 @@
           <a:p>
             <a:fld id="{3E20E250-9939-442D-A8F6-E35D748AD031}" type="datetimeFigureOut">
               <a:rPr lang="en-US" smtClean="0"/>
-              <a:t>7/18/2022</a:t>
+              <a:t>9/14/2022</a:t>
             </a:fld>
             <a:endParaRPr lang="en-US"/>
           </a:p>
@@ -460,13 +433,7 @@
       </p:sp>
       <p:sp>
         <p:nvSpPr>
-          <p:cNvPr id="5" name="Footer Placeholder 4">
-            <a:extLst>
-              <a:ext uri="{FF2B5EF4-FFF2-40B4-BE49-F238E27FC236}">
-                <a16:creationId xmlns:a16="http://schemas.microsoft.com/office/drawing/2014/main" id="{D51F6BB9-9F9E-45A9-BA42-56418A3A3312}"/>
-              </a:ext>
-            </a:extLst>
-          </p:cNvPr>
+          <p:cNvPr id="5" name="Footer Placeholder 4"/>
           <p:cNvSpPr>
             <a:spLocks noGrp="1"/>
           </p:cNvSpPr>
@@ -485,13 +452,7 @@
       </p:sp>
       <p:sp>
         <p:nvSpPr>
-          <p:cNvPr id="6" name="Slide Number Placeholder 5">
-            <a:extLst>
-              <a:ext uri="{FF2B5EF4-FFF2-40B4-BE49-F238E27FC236}">
-                <a16:creationId xmlns:a16="http://schemas.microsoft.com/office/drawing/2014/main" id="{4A80F67A-C0D3-4625-AEF0-D1582E48D47C}"/>
-              </a:ext>
-            </a:extLst>
-          </p:cNvPr>
+          <p:cNvPr id="6" name="Slide Number Placeholder 5"/>
           <p:cNvSpPr>
             <a:spLocks noGrp="1"/>
           </p:cNvSpPr>
@@ -515,7 +476,7 @@
     </p:spTree>
     <p:extLst>
       <p:ext uri="{BB962C8B-B14F-4D97-AF65-F5344CB8AC3E}">
-        <p14:creationId xmlns:p14="http://schemas.microsoft.com/office/powerpoint/2010/main" val="837126919"/>
+        <p14:creationId xmlns:p14="http://schemas.microsoft.com/office/powerpoint/2010/main" val="2166736113"/>
       </p:ext>
     </p:extLst>
   </p:cSld>
@@ -544,13 +505,7 @@
       </p:grpSpPr>
       <p:sp>
         <p:nvSpPr>
-          <p:cNvPr id="2" name="Vertical Title 1">
-            <a:extLst>
-              <a:ext uri="{FF2B5EF4-FFF2-40B4-BE49-F238E27FC236}">
-                <a16:creationId xmlns:a16="http://schemas.microsoft.com/office/drawing/2014/main" id="{8D930E83-368E-4679-8A00-8AF2BE7EE1F4}"/>
-              </a:ext>
-            </a:extLst>
-          </p:cNvPr>
+          <p:cNvPr id="2" name="Vertical Title 1"/>
           <p:cNvSpPr>
             <a:spLocks noGrp="1"/>
           </p:cNvSpPr>
@@ -560,8 +515,8 @@
         </p:nvSpPr>
         <p:spPr>
           <a:xfrm>
-            <a:off x="8724900" y="365125"/>
-            <a:ext cx="2628900" cy="5811838"/>
+            <a:off x="4253389" y="182563"/>
+            <a:ext cx="1281589" cy="2905919"/>
           </a:xfrm>
         </p:spPr>
         <p:txBody>
@@ -572,18 +527,13 @@
               <a:rPr lang="en-US"/>
               <a:t>Click to edit Master title style</a:t>
             </a:r>
-          </a:p>
-        </p:txBody>
-      </p:sp>
-      <p:sp>
-        <p:nvSpPr>
-          <p:cNvPr id="3" name="Vertical Text Placeholder 2">
-            <a:extLst>
-              <a:ext uri="{FF2B5EF4-FFF2-40B4-BE49-F238E27FC236}">
-                <a16:creationId xmlns:a16="http://schemas.microsoft.com/office/drawing/2014/main" id="{CA5EC8C9-EEA0-45F3-B567-F837E3B716DE}"/>
-              </a:ext>
-            </a:extLst>
-          </p:cNvPr>
+            <a:endParaRPr lang="en-US" dirty="0"/>
+          </a:p>
+        </p:txBody>
+      </p:sp>
+      <p:sp>
+        <p:nvSpPr>
+          <p:cNvPr id="3" name="Vertical Text Placeholder 2"/>
           <p:cNvSpPr>
             <a:spLocks noGrp="1"/>
           </p:cNvSpPr>
@@ -593,8 +543,8 @@
         </p:nvSpPr>
         <p:spPr>
           <a:xfrm>
-            <a:off x="838200" y="365125"/>
-            <a:ext cx="7734300" cy="5811838"/>
+            <a:off x="408623" y="182563"/>
+            <a:ext cx="3770471" cy="2905919"/>
           </a:xfrm>
         </p:spPr>
         <p:txBody>
@@ -634,18 +584,13 @@
               <a:rPr lang="en-US"/>
               <a:t>Fifth level</a:t>
             </a:r>
-          </a:p>
-        </p:txBody>
-      </p:sp>
-      <p:sp>
-        <p:nvSpPr>
-          <p:cNvPr id="4" name="Date Placeholder 3">
-            <a:extLst>
-              <a:ext uri="{FF2B5EF4-FFF2-40B4-BE49-F238E27FC236}">
-                <a16:creationId xmlns:a16="http://schemas.microsoft.com/office/drawing/2014/main" id="{2F758A5E-49F1-4B39-8318-B2B755F84154}"/>
-              </a:ext>
-            </a:extLst>
-          </p:cNvPr>
+            <a:endParaRPr lang="en-US" dirty="0"/>
+          </a:p>
+        </p:txBody>
+      </p:sp>
+      <p:sp>
+        <p:nvSpPr>
+          <p:cNvPr id="4" name="Date Placeholder 3"/>
           <p:cNvSpPr>
             <a:spLocks noGrp="1"/>
           </p:cNvSpPr>
@@ -660,7 +605,7 @@
           <a:p>
             <a:fld id="{3E20E250-9939-442D-A8F6-E35D748AD031}" type="datetimeFigureOut">
               <a:rPr lang="en-US" smtClean="0"/>
-              <a:t>7/18/2022</a:t>
+              <a:t>9/14/2022</a:t>
             </a:fld>
             <a:endParaRPr lang="en-US"/>
           </a:p>
@@ -668,13 +613,7 @@
       </p:sp>
       <p:sp>
         <p:nvSpPr>
-          <p:cNvPr id="5" name="Footer Placeholder 4">
-            <a:extLst>
-              <a:ext uri="{FF2B5EF4-FFF2-40B4-BE49-F238E27FC236}">
-                <a16:creationId xmlns:a16="http://schemas.microsoft.com/office/drawing/2014/main" id="{654273AE-9D2E-4576-9AEF-60755DC7BC00}"/>
-              </a:ext>
-            </a:extLst>
-          </p:cNvPr>
+          <p:cNvPr id="5" name="Footer Placeholder 4"/>
           <p:cNvSpPr>
             <a:spLocks noGrp="1"/>
           </p:cNvSpPr>
@@ -693,13 +632,7 @@
       </p:sp>
       <p:sp>
         <p:nvSpPr>
-          <p:cNvPr id="6" name="Slide Number Placeholder 5">
-            <a:extLst>
-              <a:ext uri="{FF2B5EF4-FFF2-40B4-BE49-F238E27FC236}">
-                <a16:creationId xmlns:a16="http://schemas.microsoft.com/office/drawing/2014/main" id="{E4B11E85-CBE8-471E-BA50-6C7C76ACCD3E}"/>
-              </a:ext>
-            </a:extLst>
-          </p:cNvPr>
+          <p:cNvPr id="6" name="Slide Number Placeholder 5"/>
           <p:cNvSpPr>
             <a:spLocks noGrp="1"/>
           </p:cNvSpPr>
@@ -723,7 +656,7 @@
     </p:spTree>
     <p:extLst>
       <p:ext uri="{BB962C8B-B14F-4D97-AF65-F5344CB8AC3E}">
-        <p14:creationId xmlns:p14="http://schemas.microsoft.com/office/powerpoint/2010/main" val="1966614557"/>
+        <p14:creationId xmlns:p14="http://schemas.microsoft.com/office/powerpoint/2010/main" val="1365674244"/>
       </p:ext>
     </p:extLst>
   </p:cSld>
@@ -752,13 +685,7 @@
       </p:grpSpPr>
       <p:sp>
         <p:nvSpPr>
-          <p:cNvPr id="2" name="Title 1">
-            <a:extLst>
-              <a:ext uri="{FF2B5EF4-FFF2-40B4-BE49-F238E27FC236}">
-                <a16:creationId xmlns:a16="http://schemas.microsoft.com/office/drawing/2014/main" id="{DB32227F-E869-4D11-8DF6-50F1A37DFFFD}"/>
-              </a:ext>
-            </a:extLst>
-          </p:cNvPr>
+          <p:cNvPr id="2" name="Title 1"/>
           <p:cNvSpPr>
             <a:spLocks noGrp="1"/>
           </p:cNvSpPr>
@@ -775,18 +702,13 @@
               <a:rPr lang="en-US"/>
               <a:t>Click to edit Master title style</a:t>
             </a:r>
-          </a:p>
-        </p:txBody>
-      </p:sp>
-      <p:sp>
-        <p:nvSpPr>
-          <p:cNvPr id="3" name="Content Placeholder 2">
-            <a:extLst>
-              <a:ext uri="{FF2B5EF4-FFF2-40B4-BE49-F238E27FC236}">
-                <a16:creationId xmlns:a16="http://schemas.microsoft.com/office/drawing/2014/main" id="{C702E43A-579C-4B5D-B3C5-99145C363882}"/>
-              </a:ext>
-            </a:extLst>
-          </p:cNvPr>
+            <a:endParaRPr lang="en-US" dirty="0"/>
+          </a:p>
+        </p:txBody>
+      </p:sp>
+      <p:sp>
+        <p:nvSpPr>
+          <p:cNvPr id="3" name="Content Placeholder 2"/>
           <p:cNvSpPr>
             <a:spLocks noGrp="1"/>
           </p:cNvSpPr>
@@ -832,18 +754,13 @@
               <a:rPr lang="en-US"/>
               <a:t>Fifth level</a:t>
             </a:r>
-          </a:p>
-        </p:txBody>
-      </p:sp>
-      <p:sp>
-        <p:nvSpPr>
-          <p:cNvPr id="4" name="Date Placeholder 3">
-            <a:extLst>
-              <a:ext uri="{FF2B5EF4-FFF2-40B4-BE49-F238E27FC236}">
-                <a16:creationId xmlns:a16="http://schemas.microsoft.com/office/drawing/2014/main" id="{2A1BADB0-523D-4DAB-8B64-95E1282CEC5C}"/>
-              </a:ext>
-            </a:extLst>
-          </p:cNvPr>
+            <a:endParaRPr lang="en-US" dirty="0"/>
+          </a:p>
+        </p:txBody>
+      </p:sp>
+      <p:sp>
+        <p:nvSpPr>
+          <p:cNvPr id="4" name="Date Placeholder 3"/>
           <p:cNvSpPr>
             <a:spLocks noGrp="1"/>
           </p:cNvSpPr>
@@ -858,7 +775,7 @@
           <a:p>
             <a:fld id="{3E20E250-9939-442D-A8F6-E35D748AD031}" type="datetimeFigureOut">
               <a:rPr lang="en-US" smtClean="0"/>
-              <a:t>7/18/2022</a:t>
+              <a:t>9/14/2022</a:t>
             </a:fld>
             <a:endParaRPr lang="en-US"/>
           </a:p>
@@ -866,13 +783,7 @@
       </p:sp>
       <p:sp>
         <p:nvSpPr>
-          <p:cNvPr id="5" name="Footer Placeholder 4">
-            <a:extLst>
-              <a:ext uri="{FF2B5EF4-FFF2-40B4-BE49-F238E27FC236}">
-                <a16:creationId xmlns:a16="http://schemas.microsoft.com/office/drawing/2014/main" id="{D2AB4FC4-D79C-48DA-9BDE-634B8D64CA9F}"/>
-              </a:ext>
-            </a:extLst>
-          </p:cNvPr>
+          <p:cNvPr id="5" name="Footer Placeholder 4"/>
           <p:cNvSpPr>
             <a:spLocks noGrp="1"/>
           </p:cNvSpPr>
@@ -891,13 +802,7 @@
       </p:sp>
       <p:sp>
         <p:nvSpPr>
-          <p:cNvPr id="6" name="Slide Number Placeholder 5">
-            <a:extLst>
-              <a:ext uri="{FF2B5EF4-FFF2-40B4-BE49-F238E27FC236}">
-                <a16:creationId xmlns:a16="http://schemas.microsoft.com/office/drawing/2014/main" id="{EBAC67E8-F932-40A0-B922-935CBEE8B9E0}"/>
-              </a:ext>
-            </a:extLst>
-          </p:cNvPr>
+          <p:cNvPr id="6" name="Slide Number Placeholder 5"/>
           <p:cNvSpPr>
             <a:spLocks noGrp="1"/>
           </p:cNvSpPr>
@@ -921,7 +826,7 @@
     </p:spTree>
     <p:extLst>
       <p:ext uri="{BB962C8B-B14F-4D97-AF65-F5344CB8AC3E}">
-        <p14:creationId xmlns:p14="http://schemas.microsoft.com/office/powerpoint/2010/main" val="2699900751"/>
+        <p14:creationId xmlns:p14="http://schemas.microsoft.com/office/powerpoint/2010/main" val="2954284884"/>
       </p:ext>
     </p:extLst>
   </p:cSld>
@@ -950,13 +855,7 @@
       </p:grpSpPr>
       <p:sp>
         <p:nvSpPr>
-          <p:cNvPr id="2" name="Title 1">
-            <a:extLst>
-              <a:ext uri="{FF2B5EF4-FFF2-40B4-BE49-F238E27FC236}">
-                <a16:creationId xmlns:a16="http://schemas.microsoft.com/office/drawing/2014/main" id="{9E6995FA-158C-46CD-914C-ACA5C7349793}"/>
-              </a:ext>
-            </a:extLst>
-          </p:cNvPr>
+          <p:cNvPr id="2" name="Title 1"/>
           <p:cNvSpPr>
             <a:spLocks noGrp="1"/>
           </p:cNvSpPr>
@@ -966,15 +865,15 @@
         </p:nvSpPr>
         <p:spPr>
           <a:xfrm>
-            <a:off x="831850" y="1709738"/>
-            <a:ext cx="10515600" cy="2852737"/>
+            <a:off x="405527" y="854869"/>
+            <a:ext cx="5126355" cy="1426369"/>
           </a:xfrm>
         </p:spPr>
         <p:txBody>
           <a:bodyPr anchor="b"/>
           <a:lstStyle>
             <a:lvl1pPr>
-              <a:defRPr sz="6000"/>
+              <a:defRPr sz="2925"/>
             </a:lvl1pPr>
           </a:lstStyle>
           <a:p>
@@ -982,18 +881,13 @@
               <a:rPr lang="en-US"/>
               <a:t>Click to edit Master title style</a:t>
             </a:r>
-          </a:p>
-        </p:txBody>
-      </p:sp>
-      <p:sp>
-        <p:nvSpPr>
-          <p:cNvPr id="3" name="Text Placeholder 2">
-            <a:extLst>
-              <a:ext uri="{FF2B5EF4-FFF2-40B4-BE49-F238E27FC236}">
-                <a16:creationId xmlns:a16="http://schemas.microsoft.com/office/drawing/2014/main" id="{242AFFB1-9377-4435-846F-704278B4E8D3}"/>
-              </a:ext>
-            </a:extLst>
-          </p:cNvPr>
+            <a:endParaRPr lang="en-US" dirty="0"/>
+          </a:p>
+        </p:txBody>
+      </p:sp>
+      <p:sp>
+        <p:nvSpPr>
+          <p:cNvPr id="3" name="Text Placeholder 2"/>
           <p:cNvSpPr>
             <a:spLocks noGrp="1"/>
           </p:cNvSpPr>
@@ -1003,8 +897,8 @@
         </p:nvSpPr>
         <p:spPr>
           <a:xfrm>
-            <a:off x="831850" y="4589463"/>
-            <a:ext cx="10515600" cy="1500187"/>
+            <a:off x="405527" y="2294732"/>
+            <a:ext cx="5126355" cy="750094"/>
           </a:xfrm>
         </p:spPr>
         <p:txBody>
@@ -1012,7 +906,7 @@
           <a:lstStyle>
             <a:lvl1pPr marL="0" indent="0">
               <a:buNone/>
-              <a:defRPr sz="2400">
+              <a:defRPr sz="1170">
                 <a:solidFill>
                   <a:schemeClr val="tx1">
                     <a:tint val="75000"/>
@@ -1020,9 +914,9 @@
                 </a:solidFill>
               </a:defRPr>
             </a:lvl1pPr>
-            <a:lvl2pPr marL="457200" indent="0">
-              <a:buNone/>
-              <a:defRPr sz="2000">
+            <a:lvl2pPr marL="222885" indent="0">
+              <a:buNone/>
+              <a:defRPr sz="975">
                 <a:solidFill>
                   <a:schemeClr val="tx1">
                     <a:tint val="75000"/>
@@ -1030,9 +924,9 @@
                 </a:solidFill>
               </a:defRPr>
             </a:lvl2pPr>
-            <a:lvl3pPr marL="914400" indent="0">
-              <a:buNone/>
-              <a:defRPr sz="1800">
+            <a:lvl3pPr marL="445770" indent="0">
+              <a:buNone/>
+              <a:defRPr sz="878">
                 <a:solidFill>
                   <a:schemeClr val="tx1">
                     <a:tint val="75000"/>
@@ -1040,9 +934,9 @@
                 </a:solidFill>
               </a:defRPr>
             </a:lvl3pPr>
-            <a:lvl4pPr marL="1371600" indent="0">
-              <a:buNone/>
-              <a:defRPr sz="1600">
+            <a:lvl4pPr marL="668655" indent="0">
+              <a:buNone/>
+              <a:defRPr sz="780">
                 <a:solidFill>
                   <a:schemeClr val="tx1">
                     <a:tint val="75000"/>
@@ -1050,9 +944,9 @@
                 </a:solidFill>
               </a:defRPr>
             </a:lvl4pPr>
-            <a:lvl5pPr marL="1828800" indent="0">
-              <a:buNone/>
-              <a:defRPr sz="1600">
+            <a:lvl5pPr marL="891540" indent="0">
+              <a:buNone/>
+              <a:defRPr sz="780">
                 <a:solidFill>
                   <a:schemeClr val="tx1">
                     <a:tint val="75000"/>
@@ -1060,9 +954,9 @@
                 </a:solidFill>
               </a:defRPr>
             </a:lvl5pPr>
-            <a:lvl6pPr marL="2286000" indent="0">
-              <a:buNone/>
-              <a:defRPr sz="1600">
+            <a:lvl6pPr marL="1114425" indent="0">
+              <a:buNone/>
+              <a:defRPr sz="780">
                 <a:solidFill>
                   <a:schemeClr val="tx1">
                     <a:tint val="75000"/>
@@ -1070,9 +964,9 @@
                 </a:solidFill>
               </a:defRPr>
             </a:lvl6pPr>
-            <a:lvl7pPr marL="2743200" indent="0">
-              <a:buNone/>
-              <a:defRPr sz="1600">
+            <a:lvl7pPr marL="1337310" indent="0">
+              <a:buNone/>
+              <a:defRPr sz="780">
                 <a:solidFill>
                   <a:schemeClr val="tx1">
                     <a:tint val="75000"/>
@@ -1080,9 +974,9 @@
                 </a:solidFill>
               </a:defRPr>
             </a:lvl7pPr>
-            <a:lvl8pPr marL="3200400" indent="0">
-              <a:buNone/>
-              <a:defRPr sz="1600">
+            <a:lvl8pPr marL="1560195" indent="0">
+              <a:buNone/>
+              <a:defRPr sz="780">
                 <a:solidFill>
                   <a:schemeClr val="tx1">
                     <a:tint val="75000"/>
@@ -1090,9 +984,9 @@
                 </a:solidFill>
               </a:defRPr>
             </a:lvl8pPr>
-            <a:lvl9pPr marL="3657600" indent="0">
-              <a:buNone/>
-              <a:defRPr sz="1600">
+            <a:lvl9pPr marL="1783080" indent="0">
+              <a:buNone/>
+              <a:defRPr sz="780">
                 <a:solidFill>
                   <a:schemeClr val="tx1">
                     <a:tint val="75000"/>
@@ -1112,13 +1006,7 @@
       </p:sp>
       <p:sp>
         <p:nvSpPr>
-          <p:cNvPr id="4" name="Date Placeholder 3">
-            <a:extLst>
-              <a:ext uri="{FF2B5EF4-FFF2-40B4-BE49-F238E27FC236}">
-                <a16:creationId xmlns:a16="http://schemas.microsoft.com/office/drawing/2014/main" id="{A9569DE1-0907-446E-9EB3-BDF6DE67D5CE}"/>
-              </a:ext>
-            </a:extLst>
-          </p:cNvPr>
+          <p:cNvPr id="4" name="Date Placeholder 3"/>
           <p:cNvSpPr>
             <a:spLocks noGrp="1"/>
           </p:cNvSpPr>
@@ -1133,7 +1021,7 @@
           <a:p>
             <a:fld id="{3E20E250-9939-442D-A8F6-E35D748AD031}" type="datetimeFigureOut">
               <a:rPr lang="en-US" smtClean="0"/>
-              <a:t>7/18/2022</a:t>
+              <a:t>9/14/2022</a:t>
             </a:fld>
             <a:endParaRPr lang="en-US"/>
           </a:p>
@@ -1141,13 +1029,7 @@
       </p:sp>
       <p:sp>
         <p:nvSpPr>
-          <p:cNvPr id="5" name="Footer Placeholder 4">
-            <a:extLst>
-              <a:ext uri="{FF2B5EF4-FFF2-40B4-BE49-F238E27FC236}">
-                <a16:creationId xmlns:a16="http://schemas.microsoft.com/office/drawing/2014/main" id="{CDF9CE37-8006-4EF1-B025-7E61A8732CAF}"/>
-              </a:ext>
-            </a:extLst>
-          </p:cNvPr>
+          <p:cNvPr id="5" name="Footer Placeholder 4"/>
           <p:cNvSpPr>
             <a:spLocks noGrp="1"/>
           </p:cNvSpPr>
@@ -1166,13 +1048,7 @@
       </p:sp>
       <p:sp>
         <p:nvSpPr>
-          <p:cNvPr id="6" name="Slide Number Placeholder 5">
-            <a:extLst>
-              <a:ext uri="{FF2B5EF4-FFF2-40B4-BE49-F238E27FC236}">
-                <a16:creationId xmlns:a16="http://schemas.microsoft.com/office/drawing/2014/main" id="{5B019883-5AF9-419B-890F-C81EABF7EF80}"/>
-              </a:ext>
-            </a:extLst>
-          </p:cNvPr>
+          <p:cNvPr id="6" name="Slide Number Placeholder 5"/>
           <p:cNvSpPr>
             <a:spLocks noGrp="1"/>
           </p:cNvSpPr>
@@ -1196,7 +1072,7 @@
     </p:spTree>
     <p:extLst>
       <p:ext uri="{BB962C8B-B14F-4D97-AF65-F5344CB8AC3E}">
-        <p14:creationId xmlns:p14="http://schemas.microsoft.com/office/powerpoint/2010/main" val="606158560"/>
+        <p14:creationId xmlns:p14="http://schemas.microsoft.com/office/powerpoint/2010/main" val="459238192"/>
       </p:ext>
     </p:extLst>
   </p:cSld>
@@ -1225,13 +1101,7 @@
       </p:grpSpPr>
       <p:sp>
         <p:nvSpPr>
-          <p:cNvPr id="2" name="Title 1">
-            <a:extLst>
-              <a:ext uri="{FF2B5EF4-FFF2-40B4-BE49-F238E27FC236}">
-                <a16:creationId xmlns:a16="http://schemas.microsoft.com/office/drawing/2014/main" id="{A0FA1845-6BD4-4FE8-8559-56F58E17C59F}"/>
-              </a:ext>
-            </a:extLst>
-          </p:cNvPr>
+          <p:cNvPr id="2" name="Title 1"/>
           <p:cNvSpPr>
             <a:spLocks noGrp="1"/>
           </p:cNvSpPr>
@@ -1248,18 +1118,13 @@
               <a:rPr lang="en-US"/>
               <a:t>Click to edit Master title style</a:t>
             </a:r>
-          </a:p>
-        </p:txBody>
-      </p:sp>
-      <p:sp>
-        <p:nvSpPr>
-          <p:cNvPr id="3" name="Content Placeholder 2">
-            <a:extLst>
-              <a:ext uri="{FF2B5EF4-FFF2-40B4-BE49-F238E27FC236}">
-                <a16:creationId xmlns:a16="http://schemas.microsoft.com/office/drawing/2014/main" id="{B02D1CBB-72EE-499F-9AB5-4F8261494FB4}"/>
-              </a:ext>
-            </a:extLst>
-          </p:cNvPr>
+            <a:endParaRPr lang="en-US" dirty="0"/>
+          </a:p>
+        </p:txBody>
+      </p:sp>
+      <p:sp>
+        <p:nvSpPr>
+          <p:cNvPr id="3" name="Content Placeholder 2"/>
           <p:cNvSpPr>
             <a:spLocks noGrp="1"/>
           </p:cNvSpPr>
@@ -1269,8 +1134,8 @@
         </p:nvSpPr>
         <p:spPr>
           <a:xfrm>
-            <a:off x="838200" y="1825625"/>
-            <a:ext cx="5181600" cy="4351338"/>
+            <a:off x="408623" y="912812"/>
+            <a:ext cx="2526030" cy="2175669"/>
           </a:xfrm>
         </p:spPr>
         <p:txBody>
@@ -1310,18 +1175,13 @@
               <a:rPr lang="en-US"/>
               <a:t>Fifth level</a:t>
             </a:r>
-          </a:p>
-        </p:txBody>
-      </p:sp>
-      <p:sp>
-        <p:nvSpPr>
-          <p:cNvPr id="4" name="Content Placeholder 3">
-            <a:extLst>
-              <a:ext uri="{FF2B5EF4-FFF2-40B4-BE49-F238E27FC236}">
-                <a16:creationId xmlns:a16="http://schemas.microsoft.com/office/drawing/2014/main" id="{58720440-D06D-4B72-BC11-D45524D827CC}"/>
-              </a:ext>
-            </a:extLst>
-          </p:cNvPr>
+            <a:endParaRPr lang="en-US" dirty="0"/>
+          </a:p>
+        </p:txBody>
+      </p:sp>
+      <p:sp>
+        <p:nvSpPr>
+          <p:cNvPr id="4" name="Content Placeholder 3"/>
           <p:cNvSpPr>
             <a:spLocks noGrp="1"/>
           </p:cNvSpPr>
@@ -1331,8 +1191,8 @@
         </p:nvSpPr>
         <p:spPr>
           <a:xfrm>
-            <a:off x="6172200" y="1825625"/>
-            <a:ext cx="5181600" cy="4351338"/>
+            <a:off x="3008948" y="912812"/>
+            <a:ext cx="2526030" cy="2175669"/>
           </a:xfrm>
         </p:spPr>
         <p:txBody>
@@ -1372,18 +1232,13 @@
               <a:rPr lang="en-US"/>
               <a:t>Fifth level</a:t>
             </a:r>
-          </a:p>
-        </p:txBody>
-      </p:sp>
-      <p:sp>
-        <p:nvSpPr>
-          <p:cNvPr id="5" name="Date Placeholder 4">
-            <a:extLst>
-              <a:ext uri="{FF2B5EF4-FFF2-40B4-BE49-F238E27FC236}">
-                <a16:creationId xmlns:a16="http://schemas.microsoft.com/office/drawing/2014/main" id="{8EB3F7AC-4FCF-4C8F-994C-0D456169888E}"/>
-              </a:ext>
-            </a:extLst>
-          </p:cNvPr>
+            <a:endParaRPr lang="en-US" dirty="0"/>
+          </a:p>
+        </p:txBody>
+      </p:sp>
+      <p:sp>
+        <p:nvSpPr>
+          <p:cNvPr id="5" name="Date Placeholder 4"/>
           <p:cNvSpPr>
             <a:spLocks noGrp="1"/>
           </p:cNvSpPr>
@@ -1398,7 +1253,7 @@
           <a:p>
             <a:fld id="{3E20E250-9939-442D-A8F6-E35D748AD031}" type="datetimeFigureOut">
               <a:rPr lang="en-US" smtClean="0"/>
-              <a:t>7/18/2022</a:t>
+              <a:t>9/14/2022</a:t>
             </a:fld>
             <a:endParaRPr lang="en-US"/>
           </a:p>
@@ -1406,13 +1261,7 @@
       </p:sp>
       <p:sp>
         <p:nvSpPr>
-          <p:cNvPr id="6" name="Footer Placeholder 5">
-            <a:extLst>
-              <a:ext uri="{FF2B5EF4-FFF2-40B4-BE49-F238E27FC236}">
-                <a16:creationId xmlns:a16="http://schemas.microsoft.com/office/drawing/2014/main" id="{DB768347-EF4E-4847-B3BE-FEBBD3D70998}"/>
-              </a:ext>
-            </a:extLst>
-          </p:cNvPr>
+          <p:cNvPr id="6" name="Footer Placeholder 5"/>
           <p:cNvSpPr>
             <a:spLocks noGrp="1"/>
           </p:cNvSpPr>
@@ -1431,13 +1280,7 @@
       </p:sp>
       <p:sp>
         <p:nvSpPr>
-          <p:cNvPr id="7" name="Slide Number Placeholder 6">
-            <a:extLst>
-              <a:ext uri="{FF2B5EF4-FFF2-40B4-BE49-F238E27FC236}">
-                <a16:creationId xmlns:a16="http://schemas.microsoft.com/office/drawing/2014/main" id="{E8A44059-4D18-4014-8ADE-F19403CF20E8}"/>
-              </a:ext>
-            </a:extLst>
-          </p:cNvPr>
+          <p:cNvPr id="7" name="Slide Number Placeholder 6"/>
           <p:cNvSpPr>
             <a:spLocks noGrp="1"/>
           </p:cNvSpPr>
@@ -1461,7 +1304,7 @@
     </p:spTree>
     <p:extLst>
       <p:ext uri="{BB962C8B-B14F-4D97-AF65-F5344CB8AC3E}">
-        <p14:creationId xmlns:p14="http://schemas.microsoft.com/office/powerpoint/2010/main" val="941301288"/>
+        <p14:creationId xmlns:p14="http://schemas.microsoft.com/office/powerpoint/2010/main" val="4003669634"/>
       </p:ext>
     </p:extLst>
   </p:cSld>
@@ -1490,13 +1333,7 @@
       </p:grpSpPr>
       <p:sp>
         <p:nvSpPr>
-          <p:cNvPr id="2" name="Title 1">
-            <a:extLst>
-              <a:ext uri="{FF2B5EF4-FFF2-40B4-BE49-F238E27FC236}">
-                <a16:creationId xmlns:a16="http://schemas.microsoft.com/office/drawing/2014/main" id="{FD8163C2-5F3D-4596-B058-DD47D5FA7DF7}"/>
-              </a:ext>
-            </a:extLst>
-          </p:cNvPr>
+          <p:cNvPr id="2" name="Title 1"/>
           <p:cNvSpPr>
             <a:spLocks noGrp="1"/>
           </p:cNvSpPr>
@@ -1506,8 +1343,8 @@
         </p:nvSpPr>
         <p:spPr>
           <a:xfrm>
-            <a:off x="839788" y="365125"/>
-            <a:ext cx="10515600" cy="1325563"/>
+            <a:off x="409397" y="182563"/>
+            <a:ext cx="5126355" cy="662782"/>
           </a:xfrm>
         </p:spPr>
         <p:txBody>
@@ -1518,18 +1355,13 @@
               <a:rPr lang="en-US"/>
               <a:t>Click to edit Master title style</a:t>
             </a:r>
-          </a:p>
-        </p:txBody>
-      </p:sp>
-      <p:sp>
-        <p:nvSpPr>
-          <p:cNvPr id="3" name="Text Placeholder 2">
-            <a:extLst>
-              <a:ext uri="{FF2B5EF4-FFF2-40B4-BE49-F238E27FC236}">
-                <a16:creationId xmlns:a16="http://schemas.microsoft.com/office/drawing/2014/main" id="{B597AC8C-5A2A-4A92-8C7A-336B22702288}"/>
-              </a:ext>
-            </a:extLst>
-          </p:cNvPr>
+            <a:endParaRPr lang="en-US" dirty="0"/>
+          </a:p>
+        </p:txBody>
+      </p:sp>
+      <p:sp>
+        <p:nvSpPr>
+          <p:cNvPr id="3" name="Text Placeholder 2"/>
           <p:cNvSpPr>
             <a:spLocks noGrp="1"/>
           </p:cNvSpPr>
@@ -1539,8 +1371,8 @@
         </p:nvSpPr>
         <p:spPr>
           <a:xfrm>
-            <a:off x="839788" y="1681163"/>
-            <a:ext cx="5157787" cy="823912"/>
+            <a:off x="409397" y="840582"/>
+            <a:ext cx="2514421" cy="411956"/>
           </a:xfrm>
         </p:spPr>
         <p:txBody>
@@ -1548,39 +1380,39 @@
           <a:lstStyle>
             <a:lvl1pPr marL="0" indent="0">
               <a:buNone/>
-              <a:defRPr sz="2400" b="1"/>
+              <a:defRPr sz="1170" b="1"/>
             </a:lvl1pPr>
-            <a:lvl2pPr marL="457200" indent="0">
-              <a:buNone/>
-              <a:defRPr sz="2000" b="1"/>
+            <a:lvl2pPr marL="222885" indent="0">
+              <a:buNone/>
+              <a:defRPr sz="975" b="1"/>
             </a:lvl2pPr>
-            <a:lvl3pPr marL="914400" indent="0">
-              <a:buNone/>
-              <a:defRPr sz="1800" b="1"/>
+            <a:lvl3pPr marL="445770" indent="0">
+              <a:buNone/>
+              <a:defRPr sz="878" b="1"/>
             </a:lvl3pPr>
-            <a:lvl4pPr marL="1371600" indent="0">
-              <a:buNone/>
-              <a:defRPr sz="1600" b="1"/>
+            <a:lvl4pPr marL="668655" indent="0">
+              <a:buNone/>
+              <a:defRPr sz="780" b="1"/>
             </a:lvl4pPr>
-            <a:lvl5pPr marL="1828800" indent="0">
-              <a:buNone/>
-              <a:defRPr sz="1600" b="1"/>
+            <a:lvl5pPr marL="891540" indent="0">
+              <a:buNone/>
+              <a:defRPr sz="780" b="1"/>
             </a:lvl5pPr>
-            <a:lvl6pPr marL="2286000" indent="0">
-              <a:buNone/>
-              <a:defRPr sz="1600" b="1"/>
+            <a:lvl6pPr marL="1114425" indent="0">
+              <a:buNone/>
+              <a:defRPr sz="780" b="1"/>
             </a:lvl6pPr>
-            <a:lvl7pPr marL="2743200" indent="0">
-              <a:buNone/>
-              <a:defRPr sz="1600" b="1"/>
+            <a:lvl7pPr marL="1337310" indent="0">
+              <a:buNone/>
+              <a:defRPr sz="780" b="1"/>
             </a:lvl7pPr>
-            <a:lvl8pPr marL="3200400" indent="0">
-              <a:buNone/>
-              <a:defRPr sz="1600" b="1"/>
+            <a:lvl8pPr marL="1560195" indent="0">
+              <a:buNone/>
+              <a:defRPr sz="780" b="1"/>
             </a:lvl8pPr>
-            <a:lvl9pPr marL="3657600" indent="0">
-              <a:buNone/>
-              <a:defRPr sz="1600" b="1"/>
+            <a:lvl9pPr marL="1783080" indent="0">
+              <a:buNone/>
+              <a:defRPr sz="780" b="1"/>
             </a:lvl9pPr>
           </a:lstStyle>
           <a:p>
@@ -1594,13 +1426,7 @@
       </p:sp>
       <p:sp>
         <p:nvSpPr>
-          <p:cNvPr id="4" name="Content Placeholder 3">
-            <a:extLst>
-              <a:ext uri="{FF2B5EF4-FFF2-40B4-BE49-F238E27FC236}">
-                <a16:creationId xmlns:a16="http://schemas.microsoft.com/office/drawing/2014/main" id="{883B5D04-31B2-4599-A7C5-DA21948EF662}"/>
-              </a:ext>
-            </a:extLst>
-          </p:cNvPr>
+          <p:cNvPr id="4" name="Content Placeholder 3"/>
           <p:cNvSpPr>
             <a:spLocks noGrp="1"/>
           </p:cNvSpPr>
@@ -1610,8 +1436,8 @@
         </p:nvSpPr>
         <p:spPr>
           <a:xfrm>
-            <a:off x="839788" y="2505075"/>
-            <a:ext cx="5157787" cy="3684588"/>
+            <a:off x="409397" y="1252538"/>
+            <a:ext cx="2514421" cy="1842294"/>
           </a:xfrm>
         </p:spPr>
         <p:txBody>
@@ -1651,18 +1477,13 @@
               <a:rPr lang="en-US"/>
               <a:t>Fifth level</a:t>
             </a:r>
-          </a:p>
-        </p:txBody>
-      </p:sp>
-      <p:sp>
-        <p:nvSpPr>
-          <p:cNvPr id="5" name="Text Placeholder 4">
-            <a:extLst>
-              <a:ext uri="{FF2B5EF4-FFF2-40B4-BE49-F238E27FC236}">
-                <a16:creationId xmlns:a16="http://schemas.microsoft.com/office/drawing/2014/main" id="{9C87027A-6A61-4259-AC05-C8B2F6F99A46}"/>
-              </a:ext>
-            </a:extLst>
-          </p:cNvPr>
+            <a:endParaRPr lang="en-US" dirty="0"/>
+          </a:p>
+        </p:txBody>
+      </p:sp>
+      <p:sp>
+        <p:nvSpPr>
+          <p:cNvPr id="5" name="Text Placeholder 4"/>
           <p:cNvSpPr>
             <a:spLocks noGrp="1"/>
           </p:cNvSpPr>
@@ -1672,8 +1493,8 @@
         </p:nvSpPr>
         <p:spPr>
           <a:xfrm>
-            <a:off x="6172200" y="1681163"/>
-            <a:ext cx="5183188" cy="823912"/>
+            <a:off x="3008948" y="840582"/>
+            <a:ext cx="2526804" cy="411956"/>
           </a:xfrm>
         </p:spPr>
         <p:txBody>
@@ -1681,39 +1502,39 @@
           <a:lstStyle>
             <a:lvl1pPr marL="0" indent="0">
               <a:buNone/>
-              <a:defRPr sz="2400" b="1"/>
+              <a:defRPr sz="1170" b="1"/>
             </a:lvl1pPr>
-            <a:lvl2pPr marL="457200" indent="0">
-              <a:buNone/>
-              <a:defRPr sz="2000" b="1"/>
+            <a:lvl2pPr marL="222885" indent="0">
+              <a:buNone/>
+              <a:defRPr sz="975" b="1"/>
             </a:lvl2pPr>
-            <a:lvl3pPr marL="914400" indent="0">
-              <a:buNone/>
-              <a:defRPr sz="1800" b="1"/>
+            <a:lvl3pPr marL="445770" indent="0">
+              <a:buNone/>
+              <a:defRPr sz="878" b="1"/>
             </a:lvl3pPr>
-            <a:lvl4pPr marL="1371600" indent="0">
-              <a:buNone/>
-              <a:defRPr sz="1600" b="1"/>
+            <a:lvl4pPr marL="668655" indent="0">
+              <a:buNone/>
+              <a:defRPr sz="780" b="1"/>
             </a:lvl4pPr>
-            <a:lvl5pPr marL="1828800" indent="0">
-              <a:buNone/>
-              <a:defRPr sz="1600" b="1"/>
+            <a:lvl5pPr marL="891540" indent="0">
+              <a:buNone/>
+              <a:defRPr sz="780" b="1"/>
             </a:lvl5pPr>
-            <a:lvl6pPr marL="2286000" indent="0">
-              <a:buNone/>
-              <a:defRPr sz="1600" b="1"/>
+            <a:lvl6pPr marL="1114425" indent="0">
+              <a:buNone/>
+              <a:defRPr sz="780" b="1"/>
             </a:lvl6pPr>
-            <a:lvl7pPr marL="2743200" indent="0">
-              <a:buNone/>
-              <a:defRPr sz="1600" b="1"/>
+            <a:lvl7pPr marL="1337310" indent="0">
+              <a:buNone/>
+              <a:defRPr sz="780" b="1"/>
             </a:lvl7pPr>
-            <a:lvl8pPr marL="3200400" indent="0">
-              <a:buNone/>
-              <a:defRPr sz="1600" b="1"/>
+            <a:lvl8pPr marL="1560195" indent="0">
+              <a:buNone/>
+              <a:defRPr sz="780" b="1"/>
             </a:lvl8pPr>
-            <a:lvl9pPr marL="3657600" indent="0">
-              <a:buNone/>
-              <a:defRPr sz="1600" b="1"/>
+            <a:lvl9pPr marL="1783080" indent="0">
+              <a:buNone/>
+              <a:defRPr sz="780" b="1"/>
             </a:lvl9pPr>
           </a:lstStyle>
           <a:p>
@@ -1727,13 +1548,7 @@
       </p:sp>
       <p:sp>
         <p:nvSpPr>
-          <p:cNvPr id="6" name="Content Placeholder 5">
-            <a:extLst>
-              <a:ext uri="{FF2B5EF4-FFF2-40B4-BE49-F238E27FC236}">
-                <a16:creationId xmlns:a16="http://schemas.microsoft.com/office/drawing/2014/main" id="{A8116C18-5A1E-4160-BA14-94A4FD996562}"/>
-              </a:ext>
-            </a:extLst>
-          </p:cNvPr>
+          <p:cNvPr id="6" name="Content Placeholder 5"/>
           <p:cNvSpPr>
             <a:spLocks noGrp="1"/>
           </p:cNvSpPr>
@@ -1743,8 +1558,8 @@
         </p:nvSpPr>
         <p:spPr>
           <a:xfrm>
-            <a:off x="6172200" y="2505075"/>
-            <a:ext cx="5183188" cy="3684588"/>
+            <a:off x="3008948" y="1252538"/>
+            <a:ext cx="2526804" cy="1842294"/>
           </a:xfrm>
         </p:spPr>
         <p:txBody>
@@ -1784,18 +1599,13 @@
               <a:rPr lang="en-US"/>
               <a:t>Fifth level</a:t>
             </a:r>
-          </a:p>
-        </p:txBody>
-      </p:sp>
-      <p:sp>
-        <p:nvSpPr>
-          <p:cNvPr id="7" name="Date Placeholder 6">
-            <a:extLst>
-              <a:ext uri="{FF2B5EF4-FFF2-40B4-BE49-F238E27FC236}">
-                <a16:creationId xmlns:a16="http://schemas.microsoft.com/office/drawing/2014/main" id="{509DA45B-6CF1-44F0-AB8D-DCD45E35B653}"/>
-              </a:ext>
-            </a:extLst>
-          </p:cNvPr>
+            <a:endParaRPr lang="en-US" dirty="0"/>
+          </a:p>
+        </p:txBody>
+      </p:sp>
+      <p:sp>
+        <p:nvSpPr>
+          <p:cNvPr id="7" name="Date Placeholder 6"/>
           <p:cNvSpPr>
             <a:spLocks noGrp="1"/>
           </p:cNvSpPr>
@@ -1810,7 +1620,7 @@
           <a:p>
             <a:fld id="{3E20E250-9939-442D-A8F6-E35D748AD031}" type="datetimeFigureOut">
               <a:rPr lang="en-US" smtClean="0"/>
-              <a:t>7/18/2022</a:t>
+              <a:t>9/14/2022</a:t>
             </a:fld>
             <a:endParaRPr lang="en-US"/>
           </a:p>
@@ -1818,13 +1628,7 @@
       </p:sp>
       <p:sp>
         <p:nvSpPr>
-          <p:cNvPr id="8" name="Footer Placeholder 7">
-            <a:extLst>
-              <a:ext uri="{FF2B5EF4-FFF2-40B4-BE49-F238E27FC236}">
-                <a16:creationId xmlns:a16="http://schemas.microsoft.com/office/drawing/2014/main" id="{47D654E5-A398-4E26-A016-D5FBF02D0DEB}"/>
-              </a:ext>
-            </a:extLst>
-          </p:cNvPr>
+          <p:cNvPr id="8" name="Footer Placeholder 7"/>
           <p:cNvSpPr>
             <a:spLocks noGrp="1"/>
           </p:cNvSpPr>
@@ -1843,13 +1647,7 @@
       </p:sp>
       <p:sp>
         <p:nvSpPr>
-          <p:cNvPr id="9" name="Slide Number Placeholder 8">
-            <a:extLst>
-              <a:ext uri="{FF2B5EF4-FFF2-40B4-BE49-F238E27FC236}">
-                <a16:creationId xmlns:a16="http://schemas.microsoft.com/office/drawing/2014/main" id="{CA9DB4E5-1845-4849-A287-7B0C5A3E49A9}"/>
-              </a:ext>
-            </a:extLst>
-          </p:cNvPr>
+          <p:cNvPr id="9" name="Slide Number Placeholder 8"/>
           <p:cNvSpPr>
             <a:spLocks noGrp="1"/>
           </p:cNvSpPr>
@@ -1873,7 +1671,7 @@
     </p:spTree>
     <p:extLst>
       <p:ext uri="{BB962C8B-B14F-4D97-AF65-F5344CB8AC3E}">
-        <p14:creationId xmlns:p14="http://schemas.microsoft.com/office/powerpoint/2010/main" val="3566180170"/>
+        <p14:creationId xmlns:p14="http://schemas.microsoft.com/office/powerpoint/2010/main" val="1923491529"/>
       </p:ext>
     </p:extLst>
   </p:cSld>
@@ -1902,13 +1700,7 @@
       </p:grpSpPr>
       <p:sp>
         <p:nvSpPr>
-          <p:cNvPr id="2" name="Title 1">
-            <a:extLst>
-              <a:ext uri="{FF2B5EF4-FFF2-40B4-BE49-F238E27FC236}">
-                <a16:creationId xmlns:a16="http://schemas.microsoft.com/office/drawing/2014/main" id="{C4143CE1-0667-4751-8E7C-C6152CE6F84C}"/>
-              </a:ext>
-            </a:extLst>
-          </p:cNvPr>
+          <p:cNvPr id="2" name="Title 1"/>
           <p:cNvSpPr>
             <a:spLocks noGrp="1"/>
           </p:cNvSpPr>
@@ -1925,18 +1717,13 @@
               <a:rPr lang="en-US"/>
               <a:t>Click to edit Master title style</a:t>
             </a:r>
-          </a:p>
-        </p:txBody>
-      </p:sp>
-      <p:sp>
-        <p:nvSpPr>
-          <p:cNvPr id="3" name="Date Placeholder 2">
-            <a:extLst>
-              <a:ext uri="{FF2B5EF4-FFF2-40B4-BE49-F238E27FC236}">
-                <a16:creationId xmlns:a16="http://schemas.microsoft.com/office/drawing/2014/main" id="{59DEF59F-42C8-4F2E-9393-32EAD730AE83}"/>
-              </a:ext>
-            </a:extLst>
-          </p:cNvPr>
+            <a:endParaRPr lang="en-US" dirty="0"/>
+          </a:p>
+        </p:txBody>
+      </p:sp>
+      <p:sp>
+        <p:nvSpPr>
+          <p:cNvPr id="3" name="Date Placeholder 2"/>
           <p:cNvSpPr>
             <a:spLocks noGrp="1"/>
           </p:cNvSpPr>
@@ -1951,7 +1738,7 @@
           <a:p>
             <a:fld id="{3E20E250-9939-442D-A8F6-E35D748AD031}" type="datetimeFigureOut">
               <a:rPr lang="en-US" smtClean="0"/>
-              <a:t>7/18/2022</a:t>
+              <a:t>9/14/2022</a:t>
             </a:fld>
             <a:endParaRPr lang="en-US"/>
           </a:p>
@@ -1959,13 +1746,7 @@
       </p:sp>
       <p:sp>
         <p:nvSpPr>
-          <p:cNvPr id="4" name="Footer Placeholder 3">
-            <a:extLst>
-              <a:ext uri="{FF2B5EF4-FFF2-40B4-BE49-F238E27FC236}">
-                <a16:creationId xmlns:a16="http://schemas.microsoft.com/office/drawing/2014/main" id="{72E22186-A39A-4393-A758-68E922568BDC}"/>
-              </a:ext>
-            </a:extLst>
-          </p:cNvPr>
+          <p:cNvPr id="4" name="Footer Placeholder 3"/>
           <p:cNvSpPr>
             <a:spLocks noGrp="1"/>
           </p:cNvSpPr>
@@ -1984,13 +1765,7 @@
       </p:sp>
       <p:sp>
         <p:nvSpPr>
-          <p:cNvPr id="5" name="Slide Number Placeholder 4">
-            <a:extLst>
-              <a:ext uri="{FF2B5EF4-FFF2-40B4-BE49-F238E27FC236}">
-                <a16:creationId xmlns:a16="http://schemas.microsoft.com/office/drawing/2014/main" id="{7B55AD79-31C4-495B-A30D-B7918BF46D9C}"/>
-              </a:ext>
-            </a:extLst>
-          </p:cNvPr>
+          <p:cNvPr id="5" name="Slide Number Placeholder 4"/>
           <p:cNvSpPr>
             <a:spLocks noGrp="1"/>
           </p:cNvSpPr>
@@ -2014,7 +1789,7 @@
     </p:spTree>
     <p:extLst>
       <p:ext uri="{BB962C8B-B14F-4D97-AF65-F5344CB8AC3E}">
-        <p14:creationId xmlns:p14="http://schemas.microsoft.com/office/powerpoint/2010/main" val="3258454871"/>
+        <p14:creationId xmlns:p14="http://schemas.microsoft.com/office/powerpoint/2010/main" val="2046409004"/>
       </p:ext>
     </p:extLst>
   </p:cSld>
@@ -2043,13 +1818,7 @@
       </p:grpSpPr>
       <p:sp>
         <p:nvSpPr>
-          <p:cNvPr id="2" name="Date Placeholder 1">
-            <a:extLst>
-              <a:ext uri="{FF2B5EF4-FFF2-40B4-BE49-F238E27FC236}">
-                <a16:creationId xmlns:a16="http://schemas.microsoft.com/office/drawing/2014/main" id="{05D5070D-5408-4860-97E1-EBB0325EFFC3}"/>
-              </a:ext>
-            </a:extLst>
-          </p:cNvPr>
+          <p:cNvPr id="2" name="Date Placeholder 1"/>
           <p:cNvSpPr>
             <a:spLocks noGrp="1"/>
           </p:cNvSpPr>
@@ -2064,7 +1833,7 @@
           <a:p>
             <a:fld id="{3E20E250-9939-442D-A8F6-E35D748AD031}" type="datetimeFigureOut">
               <a:rPr lang="en-US" smtClean="0"/>
-              <a:t>7/18/2022</a:t>
+              <a:t>9/14/2022</a:t>
             </a:fld>
             <a:endParaRPr lang="en-US"/>
           </a:p>
@@ -2072,13 +1841,7 @@
       </p:sp>
       <p:sp>
         <p:nvSpPr>
-          <p:cNvPr id="3" name="Footer Placeholder 2">
-            <a:extLst>
-              <a:ext uri="{FF2B5EF4-FFF2-40B4-BE49-F238E27FC236}">
-                <a16:creationId xmlns:a16="http://schemas.microsoft.com/office/drawing/2014/main" id="{DC1F6FF1-2892-426D-9D0B-DDEE228CCE08}"/>
-              </a:ext>
-            </a:extLst>
-          </p:cNvPr>
+          <p:cNvPr id="3" name="Footer Placeholder 2"/>
           <p:cNvSpPr>
             <a:spLocks noGrp="1"/>
           </p:cNvSpPr>
@@ -2097,13 +1860,7 @@
       </p:sp>
       <p:sp>
         <p:nvSpPr>
-          <p:cNvPr id="4" name="Slide Number Placeholder 3">
-            <a:extLst>
-              <a:ext uri="{FF2B5EF4-FFF2-40B4-BE49-F238E27FC236}">
-                <a16:creationId xmlns:a16="http://schemas.microsoft.com/office/drawing/2014/main" id="{11BADBEF-47F8-4B09-96AE-096EB0673A81}"/>
-              </a:ext>
-            </a:extLst>
-          </p:cNvPr>
+          <p:cNvPr id="4" name="Slide Number Placeholder 3"/>
           <p:cNvSpPr>
             <a:spLocks noGrp="1"/>
           </p:cNvSpPr>
@@ -2127,7 +1884,7 @@
     </p:spTree>
     <p:extLst>
       <p:ext uri="{BB962C8B-B14F-4D97-AF65-F5344CB8AC3E}">
-        <p14:creationId xmlns:p14="http://schemas.microsoft.com/office/powerpoint/2010/main" val="2135207751"/>
+        <p14:creationId xmlns:p14="http://schemas.microsoft.com/office/powerpoint/2010/main" val="3621453567"/>
       </p:ext>
     </p:extLst>
   </p:cSld>
@@ -2156,13 +1913,7 @@
       </p:grpSpPr>
       <p:sp>
         <p:nvSpPr>
-          <p:cNvPr id="2" name="Title 1">
-            <a:extLst>
-              <a:ext uri="{FF2B5EF4-FFF2-40B4-BE49-F238E27FC236}">
-                <a16:creationId xmlns:a16="http://schemas.microsoft.com/office/drawing/2014/main" id="{55017E9B-8B8A-45A2-9993-53292EDA3093}"/>
-              </a:ext>
-            </a:extLst>
-          </p:cNvPr>
+          <p:cNvPr id="2" name="Title 1"/>
           <p:cNvSpPr>
             <a:spLocks noGrp="1"/>
           </p:cNvSpPr>
@@ -2172,15 +1923,15 @@
         </p:nvSpPr>
         <p:spPr>
           <a:xfrm>
-            <a:off x="839788" y="457200"/>
-            <a:ext cx="3932237" cy="1600200"/>
+            <a:off x="409397" y="228600"/>
+            <a:ext cx="1916966" cy="800100"/>
           </a:xfrm>
         </p:spPr>
         <p:txBody>
           <a:bodyPr anchor="b"/>
           <a:lstStyle>
             <a:lvl1pPr>
-              <a:defRPr sz="3200"/>
+              <a:defRPr sz="1560"/>
             </a:lvl1pPr>
           </a:lstStyle>
           <a:p>
@@ -2188,18 +1939,13 @@
               <a:rPr lang="en-US"/>
               <a:t>Click to edit Master title style</a:t>
             </a:r>
-          </a:p>
-        </p:txBody>
-      </p:sp>
-      <p:sp>
-        <p:nvSpPr>
-          <p:cNvPr id="3" name="Content Placeholder 2">
-            <a:extLst>
-              <a:ext uri="{FF2B5EF4-FFF2-40B4-BE49-F238E27FC236}">
-                <a16:creationId xmlns:a16="http://schemas.microsoft.com/office/drawing/2014/main" id="{F8920AD8-CED1-44EB-A3EB-523A71DC0DF3}"/>
-              </a:ext>
-            </a:extLst>
-          </p:cNvPr>
+            <a:endParaRPr lang="en-US" dirty="0"/>
+          </a:p>
+        </p:txBody>
+      </p:sp>
+      <p:sp>
+        <p:nvSpPr>
+          <p:cNvPr id="3" name="Content Placeholder 2"/>
           <p:cNvSpPr>
             <a:spLocks noGrp="1"/>
           </p:cNvSpPr>
@@ -2209,39 +1955,39 @@
         </p:nvSpPr>
         <p:spPr>
           <a:xfrm>
-            <a:off x="5183188" y="987425"/>
-            <a:ext cx="6172200" cy="4873625"/>
+            <a:off x="2526804" y="493713"/>
+            <a:ext cx="3008948" cy="2436813"/>
           </a:xfrm>
         </p:spPr>
         <p:txBody>
           <a:bodyPr/>
           <a:lstStyle>
             <a:lvl1pPr>
-              <a:defRPr sz="3200"/>
+              <a:defRPr sz="1560"/>
             </a:lvl1pPr>
             <a:lvl2pPr>
-              <a:defRPr sz="2800"/>
+              <a:defRPr sz="1365"/>
             </a:lvl2pPr>
             <a:lvl3pPr>
-              <a:defRPr sz="2400"/>
+              <a:defRPr sz="1170"/>
             </a:lvl3pPr>
             <a:lvl4pPr>
-              <a:defRPr sz="2000"/>
+              <a:defRPr sz="975"/>
             </a:lvl4pPr>
             <a:lvl5pPr>
-              <a:defRPr sz="2000"/>
+              <a:defRPr sz="975"/>
             </a:lvl5pPr>
             <a:lvl6pPr>
-              <a:defRPr sz="2000"/>
+              <a:defRPr sz="975"/>
             </a:lvl6pPr>
             <a:lvl7pPr>
-              <a:defRPr sz="2000"/>
+              <a:defRPr sz="975"/>
             </a:lvl7pPr>
             <a:lvl8pPr>
-              <a:defRPr sz="2000"/>
+              <a:defRPr sz="975"/>
             </a:lvl8pPr>
             <a:lvl9pPr>
-              <a:defRPr sz="2000"/>
+              <a:defRPr sz="975"/>
             </a:lvl9pPr>
           </a:lstStyle>
           <a:p>
@@ -2278,18 +2024,13 @@
               <a:rPr lang="en-US"/>
               <a:t>Fifth level</a:t>
             </a:r>
-          </a:p>
-        </p:txBody>
-      </p:sp>
-      <p:sp>
-        <p:nvSpPr>
-          <p:cNvPr id="4" name="Text Placeholder 3">
-            <a:extLst>
-              <a:ext uri="{FF2B5EF4-FFF2-40B4-BE49-F238E27FC236}">
-                <a16:creationId xmlns:a16="http://schemas.microsoft.com/office/drawing/2014/main" id="{B4DB53A9-173F-44DA-A239-24044E6C44A6}"/>
-              </a:ext>
-            </a:extLst>
-          </p:cNvPr>
+            <a:endParaRPr lang="en-US" dirty="0"/>
+          </a:p>
+        </p:txBody>
+      </p:sp>
+      <p:sp>
+        <p:nvSpPr>
+          <p:cNvPr id="4" name="Text Placeholder 3"/>
           <p:cNvSpPr>
             <a:spLocks noGrp="1"/>
           </p:cNvSpPr>
@@ -2299,8 +2040,8 @@
         </p:nvSpPr>
         <p:spPr>
           <a:xfrm>
-            <a:off x="839788" y="2057400"/>
-            <a:ext cx="3932237" cy="3811588"/>
+            <a:off x="409397" y="1028700"/>
+            <a:ext cx="1916966" cy="1905794"/>
           </a:xfrm>
         </p:spPr>
         <p:txBody>
@@ -2308,39 +2049,39 @@
           <a:lstStyle>
             <a:lvl1pPr marL="0" indent="0">
               <a:buNone/>
-              <a:defRPr sz="1600"/>
+              <a:defRPr sz="780"/>
             </a:lvl1pPr>
-            <a:lvl2pPr marL="457200" indent="0">
-              <a:buNone/>
-              <a:defRPr sz="1400"/>
+            <a:lvl2pPr marL="222885" indent="0">
+              <a:buNone/>
+              <a:defRPr sz="683"/>
             </a:lvl2pPr>
-            <a:lvl3pPr marL="914400" indent="0">
-              <a:buNone/>
-              <a:defRPr sz="1200"/>
+            <a:lvl3pPr marL="445770" indent="0">
+              <a:buNone/>
+              <a:defRPr sz="585"/>
             </a:lvl3pPr>
-            <a:lvl4pPr marL="1371600" indent="0">
-              <a:buNone/>
-              <a:defRPr sz="1000"/>
+            <a:lvl4pPr marL="668655" indent="0">
+              <a:buNone/>
+              <a:defRPr sz="488"/>
             </a:lvl4pPr>
-            <a:lvl5pPr marL="1828800" indent="0">
-              <a:buNone/>
-              <a:defRPr sz="1000"/>
+            <a:lvl5pPr marL="891540" indent="0">
+              <a:buNone/>
+              <a:defRPr sz="488"/>
             </a:lvl5pPr>
-            <a:lvl6pPr marL="2286000" indent="0">
-              <a:buNone/>
-              <a:defRPr sz="1000"/>
+            <a:lvl6pPr marL="1114425" indent="0">
+              <a:buNone/>
+              <a:defRPr sz="488"/>
             </a:lvl6pPr>
-            <a:lvl7pPr marL="2743200" indent="0">
-              <a:buNone/>
-              <a:defRPr sz="1000"/>
+            <a:lvl7pPr marL="1337310" indent="0">
+              <a:buNone/>
+              <a:defRPr sz="488"/>
             </a:lvl7pPr>
-            <a:lvl8pPr marL="3200400" indent="0">
-              <a:buNone/>
-              <a:defRPr sz="1000"/>
+            <a:lvl8pPr marL="1560195" indent="0">
+              <a:buNone/>
+              <a:defRPr sz="488"/>
             </a:lvl8pPr>
-            <a:lvl9pPr marL="3657600" indent="0">
-              <a:buNone/>
-              <a:defRPr sz="1000"/>
+            <a:lvl9pPr marL="1783080" indent="0">
+              <a:buNone/>
+              <a:defRPr sz="488"/>
             </a:lvl9pPr>
           </a:lstStyle>
           <a:p>
@@ -2354,13 +2095,7 @@
       </p:sp>
       <p:sp>
         <p:nvSpPr>
-          <p:cNvPr id="5" name="Date Placeholder 4">
-            <a:extLst>
-              <a:ext uri="{FF2B5EF4-FFF2-40B4-BE49-F238E27FC236}">
-                <a16:creationId xmlns:a16="http://schemas.microsoft.com/office/drawing/2014/main" id="{6556223E-E1DC-4447-9301-08EE05DDEF2A}"/>
-              </a:ext>
-            </a:extLst>
-          </p:cNvPr>
+          <p:cNvPr id="5" name="Date Placeholder 4"/>
           <p:cNvSpPr>
             <a:spLocks noGrp="1"/>
           </p:cNvSpPr>
@@ -2375,7 +2110,7 @@
           <a:p>
             <a:fld id="{3E20E250-9939-442D-A8F6-E35D748AD031}" type="datetimeFigureOut">
               <a:rPr lang="en-US" smtClean="0"/>
-              <a:t>7/18/2022</a:t>
+              <a:t>9/14/2022</a:t>
             </a:fld>
             <a:endParaRPr lang="en-US"/>
           </a:p>
@@ -2383,13 +2118,7 @@
       </p:sp>
       <p:sp>
         <p:nvSpPr>
-          <p:cNvPr id="6" name="Footer Placeholder 5">
-            <a:extLst>
-              <a:ext uri="{FF2B5EF4-FFF2-40B4-BE49-F238E27FC236}">
-                <a16:creationId xmlns:a16="http://schemas.microsoft.com/office/drawing/2014/main" id="{CB06036F-19F8-41BE-9020-08D956EDD22C}"/>
-              </a:ext>
-            </a:extLst>
-          </p:cNvPr>
+          <p:cNvPr id="6" name="Footer Placeholder 5"/>
           <p:cNvSpPr>
             <a:spLocks noGrp="1"/>
           </p:cNvSpPr>
@@ -2408,13 +2137,7 @@
       </p:sp>
       <p:sp>
         <p:nvSpPr>
-          <p:cNvPr id="7" name="Slide Number Placeholder 6">
-            <a:extLst>
-              <a:ext uri="{FF2B5EF4-FFF2-40B4-BE49-F238E27FC236}">
-                <a16:creationId xmlns:a16="http://schemas.microsoft.com/office/drawing/2014/main" id="{641EF869-551E-4F51-9A45-2A8408878E2F}"/>
-              </a:ext>
-            </a:extLst>
-          </p:cNvPr>
+          <p:cNvPr id="7" name="Slide Number Placeholder 6"/>
           <p:cNvSpPr>
             <a:spLocks noGrp="1"/>
           </p:cNvSpPr>
@@ -2438,7 +2161,7 @@
     </p:spTree>
     <p:extLst>
       <p:ext uri="{BB962C8B-B14F-4D97-AF65-F5344CB8AC3E}">
-        <p14:creationId xmlns:p14="http://schemas.microsoft.com/office/powerpoint/2010/main" val="985877126"/>
+        <p14:creationId xmlns:p14="http://schemas.microsoft.com/office/powerpoint/2010/main" val="227577077"/>
       </p:ext>
     </p:extLst>
   </p:cSld>
@@ -2467,13 +2190,7 @@
       </p:grpSpPr>
       <p:sp>
         <p:nvSpPr>
-          <p:cNvPr id="2" name="Title 1">
-            <a:extLst>
-              <a:ext uri="{FF2B5EF4-FFF2-40B4-BE49-F238E27FC236}">
-                <a16:creationId xmlns:a16="http://schemas.microsoft.com/office/drawing/2014/main" id="{69360043-CEFD-4E3B-A8D1-3B8FF451EB77}"/>
-              </a:ext>
-            </a:extLst>
-          </p:cNvPr>
+          <p:cNvPr id="2" name="Title 1"/>
           <p:cNvSpPr>
             <a:spLocks noGrp="1"/>
           </p:cNvSpPr>
@@ -2483,15 +2200,15 @@
         </p:nvSpPr>
         <p:spPr>
           <a:xfrm>
-            <a:off x="839788" y="457200"/>
-            <a:ext cx="3932237" cy="1600200"/>
+            <a:off x="409397" y="228600"/>
+            <a:ext cx="1916966" cy="800100"/>
           </a:xfrm>
         </p:spPr>
         <p:txBody>
           <a:bodyPr anchor="b"/>
           <a:lstStyle>
             <a:lvl1pPr>
-              <a:defRPr sz="3200"/>
+              <a:defRPr sz="1560"/>
             </a:lvl1pPr>
           </a:lstStyle>
           <a:p>
@@ -2499,20 +2216,15 @@
               <a:rPr lang="en-US"/>
               <a:t>Click to edit Master title style</a:t>
             </a:r>
-          </a:p>
-        </p:txBody>
-      </p:sp>
-      <p:sp>
-        <p:nvSpPr>
-          <p:cNvPr id="3" name="Picture Placeholder 2">
-            <a:extLst>
-              <a:ext uri="{FF2B5EF4-FFF2-40B4-BE49-F238E27FC236}">
-                <a16:creationId xmlns:a16="http://schemas.microsoft.com/office/drawing/2014/main" id="{3176405D-543B-4B6B-9990-A865D3574623}"/>
-              </a:ext>
-            </a:extLst>
-          </p:cNvPr>
-          <p:cNvSpPr>
-            <a:spLocks noGrp="1"/>
+            <a:endParaRPr lang="en-US" dirty="0"/>
+          </a:p>
+        </p:txBody>
+      </p:sp>
+      <p:sp>
+        <p:nvSpPr>
+          <p:cNvPr id="3" name="Picture Placeholder 2"/>
+          <p:cNvSpPr>
+            <a:spLocks noGrp="1" noChangeAspect="1"/>
           </p:cNvSpPr>
           <p:nvPr>
             <p:ph type="pic" idx="1"/>
@@ -2520,64 +2232,62 @@
         </p:nvSpPr>
         <p:spPr>
           <a:xfrm>
-            <a:off x="5183188" y="987425"/>
-            <a:ext cx="6172200" cy="4873625"/>
+            <a:off x="2526804" y="493713"/>
+            <a:ext cx="3008948" cy="2436813"/>
           </a:xfrm>
         </p:spPr>
         <p:txBody>
-          <a:bodyPr/>
+          <a:bodyPr anchor="t"/>
           <a:lstStyle>
             <a:lvl1pPr marL="0" indent="0">
               <a:buNone/>
-              <a:defRPr sz="3200"/>
+              <a:defRPr sz="1560"/>
             </a:lvl1pPr>
-            <a:lvl2pPr marL="457200" indent="0">
-              <a:buNone/>
-              <a:defRPr sz="2800"/>
+            <a:lvl2pPr marL="222885" indent="0">
+              <a:buNone/>
+              <a:defRPr sz="1365"/>
             </a:lvl2pPr>
-            <a:lvl3pPr marL="914400" indent="0">
-              <a:buNone/>
-              <a:defRPr sz="2400"/>
+            <a:lvl3pPr marL="445770" indent="0">
+              <a:buNone/>
+              <a:defRPr sz="1170"/>
             </a:lvl3pPr>
-            <a:lvl4pPr marL="1371600" indent="0">
-              <a:buNone/>
-              <a:defRPr sz="2000"/>
+            <a:lvl4pPr marL="668655" indent="0">
+              <a:buNone/>
+              <a:defRPr sz="975"/>
             </a:lvl4pPr>
-            <a:lvl5pPr marL="1828800" indent="0">
-              <a:buNone/>
-              <a:defRPr sz="2000"/>
+            <a:lvl5pPr marL="891540" indent="0">
+              <a:buNone/>
+              <a:defRPr sz="975"/>
             </a:lvl5pPr>
-            <a:lvl6pPr marL="2286000" indent="0">
-              <a:buNone/>
-              <a:defRPr sz="2000"/>
+            <a:lvl6pPr marL="1114425" indent="0">
+              <a:buNone/>
+              <a:defRPr sz="975"/>
             </a:lvl6pPr>
-            <a:lvl7pPr marL="2743200" indent="0">
-              <a:buNone/>
-              <a:defRPr sz="2000"/>
+            <a:lvl7pPr marL="1337310" indent="0">
+              <a:buNone/>
+              <a:defRPr sz="975"/>
             </a:lvl7pPr>
-            <a:lvl8pPr marL="3200400" indent="0">
-              <a:buNone/>
-              <a:defRPr sz="2000"/>
+            <a:lvl8pPr marL="1560195" indent="0">
+              <a:buNone/>
+              <a:defRPr sz="975"/>
             </a:lvl8pPr>
-            <a:lvl9pPr marL="3657600" indent="0">
-              <a:buNone/>
-              <a:defRPr sz="2000"/>
+            <a:lvl9pPr marL="1783080" indent="0">
+              <a:buNone/>
+              <a:defRPr sz="975"/>
             </a:lvl9pPr>
           </a:lstStyle>
           <a:p>
-            <a:endParaRPr lang="en-US"/>
-          </a:p>
-        </p:txBody>
-      </p:sp>
-      <p:sp>
-        <p:nvSpPr>
-          <p:cNvPr id="4" name="Text Placeholder 3">
-            <a:extLst>
-              <a:ext uri="{FF2B5EF4-FFF2-40B4-BE49-F238E27FC236}">
-                <a16:creationId xmlns:a16="http://schemas.microsoft.com/office/drawing/2014/main" id="{8D54C982-B083-49AD-9A28-41BB319EAFAC}"/>
-              </a:ext>
-            </a:extLst>
-          </p:cNvPr>
+            <a:r>
+              <a:rPr lang="en-US"/>
+              <a:t>Click icon to add picture</a:t>
+            </a:r>
+            <a:endParaRPr lang="en-US" dirty="0"/>
+          </a:p>
+        </p:txBody>
+      </p:sp>
+      <p:sp>
+        <p:nvSpPr>
+          <p:cNvPr id="4" name="Text Placeholder 3"/>
           <p:cNvSpPr>
             <a:spLocks noGrp="1"/>
           </p:cNvSpPr>
@@ -2587,8 +2297,8 @@
         </p:nvSpPr>
         <p:spPr>
           <a:xfrm>
-            <a:off x="839788" y="2057400"/>
-            <a:ext cx="3932237" cy="3811588"/>
+            <a:off x="409397" y="1028700"/>
+            <a:ext cx="1916966" cy="1905794"/>
           </a:xfrm>
         </p:spPr>
         <p:txBody>
@@ -2596,39 +2306,39 @@
           <a:lstStyle>
             <a:lvl1pPr marL="0" indent="0">
               <a:buNone/>
-              <a:defRPr sz="1600"/>
+              <a:defRPr sz="780"/>
             </a:lvl1pPr>
-            <a:lvl2pPr marL="457200" indent="0">
-              <a:buNone/>
-              <a:defRPr sz="1400"/>
+            <a:lvl2pPr marL="222885" indent="0">
+              <a:buNone/>
+              <a:defRPr sz="683"/>
             </a:lvl2pPr>
-            <a:lvl3pPr marL="914400" indent="0">
-              <a:buNone/>
-              <a:defRPr sz="1200"/>
+            <a:lvl3pPr marL="445770" indent="0">
+              <a:buNone/>
+              <a:defRPr sz="585"/>
             </a:lvl3pPr>
-            <a:lvl4pPr marL="1371600" indent="0">
-              <a:buNone/>
-              <a:defRPr sz="1000"/>
+            <a:lvl4pPr marL="668655" indent="0">
+              <a:buNone/>
+              <a:defRPr sz="488"/>
             </a:lvl4pPr>
-            <a:lvl5pPr marL="1828800" indent="0">
-              <a:buNone/>
-              <a:defRPr sz="1000"/>
+            <a:lvl5pPr marL="891540" indent="0">
+              <a:buNone/>
+              <a:defRPr sz="488"/>
             </a:lvl5pPr>
-            <a:lvl6pPr marL="2286000" indent="0">
-              <a:buNone/>
-              <a:defRPr sz="1000"/>
+            <a:lvl6pPr marL="1114425" indent="0">
+              <a:buNone/>
+              <a:defRPr sz="488"/>
             </a:lvl6pPr>
-            <a:lvl7pPr marL="2743200" indent="0">
-              <a:buNone/>
-              <a:defRPr sz="1000"/>
+            <a:lvl7pPr marL="1337310" indent="0">
+              <a:buNone/>
+              <a:defRPr sz="488"/>
             </a:lvl7pPr>
-            <a:lvl8pPr marL="3200400" indent="0">
-              <a:buNone/>
-              <a:defRPr sz="1000"/>
+            <a:lvl8pPr marL="1560195" indent="0">
+              <a:buNone/>
+              <a:defRPr sz="488"/>
             </a:lvl8pPr>
-            <a:lvl9pPr marL="3657600" indent="0">
-              <a:buNone/>
-              <a:defRPr sz="1000"/>
+            <a:lvl9pPr marL="1783080" indent="0">
+              <a:buNone/>
+              <a:defRPr sz="488"/>
             </a:lvl9pPr>
           </a:lstStyle>
           <a:p>
@@ -2642,13 +2352,7 @@
       </p:sp>
       <p:sp>
         <p:nvSpPr>
-          <p:cNvPr id="5" name="Date Placeholder 4">
-            <a:extLst>
-              <a:ext uri="{FF2B5EF4-FFF2-40B4-BE49-F238E27FC236}">
-                <a16:creationId xmlns:a16="http://schemas.microsoft.com/office/drawing/2014/main" id="{0C048FC9-D647-4169-A059-83D683205C01}"/>
-              </a:ext>
-            </a:extLst>
-          </p:cNvPr>
+          <p:cNvPr id="5" name="Date Placeholder 4"/>
           <p:cNvSpPr>
             <a:spLocks noGrp="1"/>
           </p:cNvSpPr>
@@ -2663,7 +2367,7 @@
           <a:p>
             <a:fld id="{3E20E250-9939-442D-A8F6-E35D748AD031}" type="datetimeFigureOut">
               <a:rPr lang="en-US" smtClean="0"/>
-              <a:t>7/18/2022</a:t>
+              <a:t>9/14/2022</a:t>
             </a:fld>
             <a:endParaRPr lang="en-US"/>
           </a:p>
@@ -2671,13 +2375,7 @@
       </p:sp>
       <p:sp>
         <p:nvSpPr>
-          <p:cNvPr id="6" name="Footer Placeholder 5">
-            <a:extLst>
-              <a:ext uri="{FF2B5EF4-FFF2-40B4-BE49-F238E27FC236}">
-                <a16:creationId xmlns:a16="http://schemas.microsoft.com/office/drawing/2014/main" id="{C001A2B0-4640-45EB-B2F7-9B46A065A16C}"/>
-              </a:ext>
-            </a:extLst>
-          </p:cNvPr>
+          <p:cNvPr id="6" name="Footer Placeholder 5"/>
           <p:cNvSpPr>
             <a:spLocks noGrp="1"/>
           </p:cNvSpPr>
@@ -2696,13 +2394,7 @@
       </p:sp>
       <p:sp>
         <p:nvSpPr>
-          <p:cNvPr id="7" name="Slide Number Placeholder 6">
-            <a:extLst>
-              <a:ext uri="{FF2B5EF4-FFF2-40B4-BE49-F238E27FC236}">
-                <a16:creationId xmlns:a16="http://schemas.microsoft.com/office/drawing/2014/main" id="{EE6D2737-00E4-41CF-B216-D15900161217}"/>
-              </a:ext>
-            </a:extLst>
-          </p:cNvPr>
+          <p:cNvPr id="7" name="Slide Number Placeholder 6"/>
           <p:cNvSpPr>
             <a:spLocks noGrp="1"/>
           </p:cNvSpPr>
@@ -2726,7 +2418,7 @@
     </p:spTree>
     <p:extLst>
       <p:ext uri="{BB962C8B-B14F-4D97-AF65-F5344CB8AC3E}">
-        <p14:creationId xmlns:p14="http://schemas.microsoft.com/office/powerpoint/2010/main" val="1438264227"/>
+        <p14:creationId xmlns:p14="http://schemas.microsoft.com/office/powerpoint/2010/main" val="4151633275"/>
       </p:ext>
     </p:extLst>
   </p:cSld>
@@ -2760,13 +2452,7 @@
       </p:grpSpPr>
       <p:sp>
         <p:nvSpPr>
-          <p:cNvPr id="2" name="Title Placeholder 1">
-            <a:extLst>
-              <a:ext uri="{FF2B5EF4-FFF2-40B4-BE49-F238E27FC236}">
-                <a16:creationId xmlns:a16="http://schemas.microsoft.com/office/drawing/2014/main" id="{3BF66519-69A6-4516-B3E1-2084F8513A51}"/>
-              </a:ext>
-            </a:extLst>
-          </p:cNvPr>
+          <p:cNvPr id="2" name="Title Placeholder 1"/>
           <p:cNvSpPr>
             <a:spLocks noGrp="1"/>
           </p:cNvSpPr>
@@ -2776,8 +2462,8 @@
         </p:nvSpPr>
         <p:spPr>
           <a:xfrm>
-            <a:off x="838200" y="365125"/>
-            <a:ext cx="10515600" cy="1325563"/>
+            <a:off x="408623" y="182563"/>
+            <a:ext cx="5126355" cy="662782"/>
           </a:xfrm>
           <a:prstGeom prst="rect">
             <a:avLst/>
@@ -2793,18 +2479,13 @@
               <a:rPr lang="en-US"/>
               <a:t>Click to edit Master title style</a:t>
             </a:r>
-          </a:p>
-        </p:txBody>
-      </p:sp>
-      <p:sp>
-        <p:nvSpPr>
-          <p:cNvPr id="3" name="Text Placeholder 2">
-            <a:extLst>
-              <a:ext uri="{FF2B5EF4-FFF2-40B4-BE49-F238E27FC236}">
-                <a16:creationId xmlns:a16="http://schemas.microsoft.com/office/drawing/2014/main" id="{400FD9B0-44D2-4756-82A2-B60E0F4D709E}"/>
-              </a:ext>
-            </a:extLst>
-          </p:cNvPr>
+            <a:endParaRPr lang="en-US" dirty="0"/>
+          </a:p>
+        </p:txBody>
+      </p:sp>
+      <p:sp>
+        <p:nvSpPr>
+          <p:cNvPr id="3" name="Text Placeholder 2"/>
           <p:cNvSpPr>
             <a:spLocks noGrp="1"/>
           </p:cNvSpPr>
@@ -2814,8 +2495,8 @@
         </p:nvSpPr>
         <p:spPr>
           <a:xfrm>
-            <a:off x="838200" y="1825625"/>
-            <a:ext cx="10515600" cy="4351338"/>
+            <a:off x="408623" y="912812"/>
+            <a:ext cx="5126355" cy="2175669"/>
           </a:xfrm>
           <a:prstGeom prst="rect">
             <a:avLst/>
@@ -2860,18 +2541,13 @@
               <a:rPr lang="en-US"/>
               <a:t>Fifth level</a:t>
             </a:r>
-          </a:p>
-        </p:txBody>
-      </p:sp>
-      <p:sp>
-        <p:nvSpPr>
-          <p:cNvPr id="4" name="Date Placeholder 3">
-            <a:extLst>
-              <a:ext uri="{FF2B5EF4-FFF2-40B4-BE49-F238E27FC236}">
-                <a16:creationId xmlns:a16="http://schemas.microsoft.com/office/drawing/2014/main" id="{A0A27C2C-C6C2-465D-94C4-79CE0B24B319}"/>
-              </a:ext>
-            </a:extLst>
-          </p:cNvPr>
+            <a:endParaRPr lang="en-US" dirty="0"/>
+          </a:p>
+        </p:txBody>
+      </p:sp>
+      <p:sp>
+        <p:nvSpPr>
+          <p:cNvPr id="4" name="Date Placeholder 3"/>
           <p:cNvSpPr>
             <a:spLocks noGrp="1"/>
           </p:cNvSpPr>
@@ -2881,8 +2557,8 @@
         </p:nvSpPr>
         <p:spPr>
           <a:xfrm>
-            <a:off x="838200" y="6356350"/>
-            <a:ext cx="2743200" cy="365125"/>
+            <a:off x="408623" y="3178175"/>
+            <a:ext cx="1337310" cy="182563"/>
           </a:xfrm>
           <a:prstGeom prst="rect">
             <a:avLst/>
@@ -2892,7 +2568,7 @@
           <a:bodyPr vert="horz" lIns="91440" tIns="45720" rIns="91440" bIns="45720" rtlCol="0" anchor="ctr"/>
           <a:lstStyle>
             <a:lvl1pPr algn="l">
-              <a:defRPr sz="1200">
+              <a:defRPr sz="585">
                 <a:solidFill>
                   <a:schemeClr val="tx1">
                     <a:tint val="75000"/>
@@ -2904,7 +2580,7 @@
           <a:p>
             <a:fld id="{3E20E250-9939-442D-A8F6-E35D748AD031}" type="datetimeFigureOut">
               <a:rPr lang="en-US" smtClean="0"/>
-              <a:t>7/18/2022</a:t>
+              <a:t>9/14/2022</a:t>
             </a:fld>
             <a:endParaRPr lang="en-US"/>
           </a:p>
@@ -2912,13 +2588,7 @@
       </p:sp>
       <p:sp>
         <p:nvSpPr>
-          <p:cNvPr id="5" name="Footer Placeholder 4">
-            <a:extLst>
-              <a:ext uri="{FF2B5EF4-FFF2-40B4-BE49-F238E27FC236}">
-                <a16:creationId xmlns:a16="http://schemas.microsoft.com/office/drawing/2014/main" id="{D38CC631-53C1-4D58-8E38-322AE4B2EA32}"/>
-              </a:ext>
-            </a:extLst>
-          </p:cNvPr>
+          <p:cNvPr id="5" name="Footer Placeholder 4"/>
           <p:cNvSpPr>
             <a:spLocks noGrp="1"/>
           </p:cNvSpPr>
@@ -2928,8 +2598,8 @@
         </p:nvSpPr>
         <p:spPr>
           <a:xfrm>
-            <a:off x="4038600" y="6356350"/>
-            <a:ext cx="4114800" cy="365125"/>
+            <a:off x="1968818" y="3178175"/>
+            <a:ext cx="2005965" cy="182563"/>
           </a:xfrm>
           <a:prstGeom prst="rect">
             <a:avLst/>
@@ -2939,7 +2609,7 @@
           <a:bodyPr vert="horz" lIns="91440" tIns="45720" rIns="91440" bIns="45720" rtlCol="0" anchor="ctr"/>
           <a:lstStyle>
             <a:lvl1pPr algn="ctr">
-              <a:defRPr sz="1200">
+              <a:defRPr sz="585">
                 <a:solidFill>
                   <a:schemeClr val="tx1">
                     <a:tint val="75000"/>
@@ -2955,13 +2625,7 @@
       </p:sp>
       <p:sp>
         <p:nvSpPr>
-          <p:cNvPr id="6" name="Slide Number Placeholder 5">
-            <a:extLst>
-              <a:ext uri="{FF2B5EF4-FFF2-40B4-BE49-F238E27FC236}">
-                <a16:creationId xmlns:a16="http://schemas.microsoft.com/office/drawing/2014/main" id="{0010EFEE-128E-43A8-A052-F0812A423789}"/>
-              </a:ext>
-            </a:extLst>
-          </p:cNvPr>
+          <p:cNvPr id="6" name="Slide Number Placeholder 5"/>
           <p:cNvSpPr>
             <a:spLocks noGrp="1"/>
           </p:cNvSpPr>
@@ -2971,8 +2635,8 @@
         </p:nvSpPr>
         <p:spPr>
           <a:xfrm>
-            <a:off x="8610600" y="6356350"/>
-            <a:ext cx="2743200" cy="365125"/>
+            <a:off x="4197668" y="3178175"/>
+            <a:ext cx="1337310" cy="182563"/>
           </a:xfrm>
           <a:prstGeom prst="rect">
             <a:avLst/>
@@ -2982,7 +2646,7 @@
           <a:bodyPr vert="horz" lIns="91440" tIns="45720" rIns="91440" bIns="45720" rtlCol="0" anchor="ctr"/>
           <a:lstStyle>
             <a:lvl1pPr algn="r">
-              <a:defRPr sz="1200">
+              <a:defRPr sz="585">
                 <a:solidFill>
                   <a:schemeClr val="tx1">
                     <a:tint val="75000"/>
@@ -3003,27 +2667,27 @@
     </p:spTree>
     <p:extLst>
       <p:ext uri="{BB962C8B-B14F-4D97-AF65-F5344CB8AC3E}">
-        <p14:creationId xmlns:p14="http://schemas.microsoft.com/office/powerpoint/2010/main" val="1626962965"/>
+        <p14:creationId xmlns:p14="http://schemas.microsoft.com/office/powerpoint/2010/main" val="623281744"/>
       </p:ext>
     </p:extLst>
   </p:cSld>
   <p:clrMap bg1="lt1" tx1="dk1" bg2="lt2" tx2="dk2" accent1="accent1" accent2="accent2" accent3="accent3" accent4="accent4" accent5="accent5" accent6="accent6" hlink="hlink" folHlink="folHlink"/>
   <p:sldLayoutIdLst>
-    <p:sldLayoutId id="2147483649" r:id="rId1"/>
-    <p:sldLayoutId id="2147483650" r:id="rId2"/>
-    <p:sldLayoutId id="2147483651" r:id="rId3"/>
-    <p:sldLayoutId id="2147483652" r:id="rId4"/>
-    <p:sldLayoutId id="2147483653" r:id="rId5"/>
-    <p:sldLayoutId id="2147483654" r:id="rId6"/>
-    <p:sldLayoutId id="2147483655" r:id="rId7"/>
-    <p:sldLayoutId id="2147483656" r:id="rId8"/>
-    <p:sldLayoutId id="2147483657" r:id="rId9"/>
-    <p:sldLayoutId id="2147483658" r:id="rId10"/>
-    <p:sldLayoutId id="2147483659" r:id="rId11"/>
+    <p:sldLayoutId id="2147483685" r:id="rId1"/>
+    <p:sldLayoutId id="2147483686" r:id="rId2"/>
+    <p:sldLayoutId id="2147483687" r:id="rId3"/>
+    <p:sldLayoutId id="2147483688" r:id="rId4"/>
+    <p:sldLayoutId id="2147483689" r:id="rId5"/>
+    <p:sldLayoutId id="2147483690" r:id="rId6"/>
+    <p:sldLayoutId id="2147483691" r:id="rId7"/>
+    <p:sldLayoutId id="2147483692" r:id="rId8"/>
+    <p:sldLayoutId id="2147483693" r:id="rId9"/>
+    <p:sldLayoutId id="2147483694" r:id="rId10"/>
+    <p:sldLayoutId id="2147483695" r:id="rId11"/>
   </p:sldLayoutIdLst>
   <p:txStyles>
     <p:titleStyle>
-      <a:lvl1pPr algn="l" defTabSz="914400" rtl="0" eaLnBrk="1" latinLnBrk="0" hangingPunct="1">
+      <a:lvl1pPr algn="l" defTabSz="445770" rtl="0" eaLnBrk="1" latinLnBrk="0" hangingPunct="1">
         <a:lnSpc>
           <a:spcPct val="90000"/>
         </a:lnSpc>
@@ -3031,7 +2695,7 @@
           <a:spcPct val="0"/>
         </a:spcBef>
         <a:buNone/>
-        <a:defRPr sz="4400" kern="1200">
+        <a:defRPr sz="2145" kern="1200">
           <a:solidFill>
             <a:schemeClr val="tx1"/>
           </a:solidFill>
@@ -3042,16 +2706,16 @@
       </a:lvl1pPr>
     </p:titleStyle>
     <p:bodyStyle>
-      <a:lvl1pPr marL="228600" indent="-228600" algn="l" defTabSz="914400" rtl="0" eaLnBrk="1" latinLnBrk="0" hangingPunct="1">
+      <a:lvl1pPr marL="111443" indent="-111443" algn="l" defTabSz="445770" rtl="0" eaLnBrk="1" latinLnBrk="0" hangingPunct="1">
         <a:lnSpc>
           <a:spcPct val="90000"/>
         </a:lnSpc>
         <a:spcBef>
-          <a:spcPts val="1000"/>
+          <a:spcPts val="488"/>
         </a:spcBef>
         <a:buFont typeface="Arial" panose="020B0604020202020204" pitchFamily="34" charset="0"/>
         <a:buChar char="•"/>
-        <a:defRPr sz="2800" kern="1200">
+        <a:defRPr sz="1365" kern="1200">
           <a:solidFill>
             <a:schemeClr val="tx1"/>
           </a:solidFill>
@@ -3060,16 +2724,16 @@
           <a:cs typeface="+mn-cs"/>
         </a:defRPr>
       </a:lvl1pPr>
-      <a:lvl2pPr marL="685800" indent="-228600" algn="l" defTabSz="914400" rtl="0" eaLnBrk="1" latinLnBrk="0" hangingPunct="1">
+      <a:lvl2pPr marL="334328" indent="-111443" algn="l" defTabSz="445770" rtl="0" eaLnBrk="1" latinLnBrk="0" hangingPunct="1">
         <a:lnSpc>
           <a:spcPct val="90000"/>
         </a:lnSpc>
         <a:spcBef>
-          <a:spcPts val="500"/>
+          <a:spcPts val="244"/>
         </a:spcBef>
         <a:buFont typeface="Arial" panose="020B0604020202020204" pitchFamily="34" charset="0"/>
         <a:buChar char="•"/>
-        <a:defRPr sz="2400" kern="1200">
+        <a:defRPr sz="1170" kern="1200">
           <a:solidFill>
             <a:schemeClr val="tx1"/>
           </a:solidFill>
@@ -3078,16 +2742,16 @@
           <a:cs typeface="+mn-cs"/>
         </a:defRPr>
       </a:lvl2pPr>
-      <a:lvl3pPr marL="1143000" indent="-228600" algn="l" defTabSz="914400" rtl="0" eaLnBrk="1" latinLnBrk="0" hangingPunct="1">
+      <a:lvl3pPr marL="557213" indent="-111443" algn="l" defTabSz="445770" rtl="0" eaLnBrk="1" latinLnBrk="0" hangingPunct="1">
         <a:lnSpc>
           <a:spcPct val="90000"/>
         </a:lnSpc>
         <a:spcBef>
-          <a:spcPts val="500"/>
+          <a:spcPts val="244"/>
         </a:spcBef>
         <a:buFont typeface="Arial" panose="020B0604020202020204" pitchFamily="34" charset="0"/>
         <a:buChar char="•"/>
-        <a:defRPr sz="2000" kern="1200">
+        <a:defRPr sz="975" kern="1200">
           <a:solidFill>
             <a:schemeClr val="tx1"/>
           </a:solidFill>
@@ -3096,16 +2760,16 @@
           <a:cs typeface="+mn-cs"/>
         </a:defRPr>
       </a:lvl3pPr>
-      <a:lvl4pPr marL="1600200" indent="-228600" algn="l" defTabSz="914400" rtl="0" eaLnBrk="1" latinLnBrk="0" hangingPunct="1">
+      <a:lvl4pPr marL="780098" indent="-111443" algn="l" defTabSz="445770" rtl="0" eaLnBrk="1" latinLnBrk="0" hangingPunct="1">
         <a:lnSpc>
           <a:spcPct val="90000"/>
         </a:lnSpc>
         <a:spcBef>
-          <a:spcPts val="500"/>
+          <a:spcPts val="244"/>
         </a:spcBef>
         <a:buFont typeface="Arial" panose="020B0604020202020204" pitchFamily="34" charset="0"/>
         <a:buChar char="•"/>
-        <a:defRPr sz="1800" kern="1200">
+        <a:defRPr sz="878" kern="1200">
           <a:solidFill>
             <a:schemeClr val="tx1"/>
           </a:solidFill>
@@ -3114,16 +2778,16 @@
           <a:cs typeface="+mn-cs"/>
         </a:defRPr>
       </a:lvl4pPr>
-      <a:lvl5pPr marL="2057400" indent="-228600" algn="l" defTabSz="914400" rtl="0" eaLnBrk="1" latinLnBrk="0" hangingPunct="1">
+      <a:lvl5pPr marL="1002983" indent="-111443" algn="l" defTabSz="445770" rtl="0" eaLnBrk="1" latinLnBrk="0" hangingPunct="1">
         <a:lnSpc>
           <a:spcPct val="90000"/>
         </a:lnSpc>
         <a:spcBef>
-          <a:spcPts val="500"/>
+          <a:spcPts val="244"/>
         </a:spcBef>
         <a:buFont typeface="Arial" panose="020B0604020202020204" pitchFamily="34" charset="0"/>
         <a:buChar char="•"/>
-        <a:defRPr sz="1800" kern="1200">
+        <a:defRPr sz="878" kern="1200">
           <a:solidFill>
             <a:schemeClr val="tx1"/>
           </a:solidFill>
@@ -3132,16 +2796,16 @@
           <a:cs typeface="+mn-cs"/>
         </a:defRPr>
       </a:lvl5pPr>
-      <a:lvl6pPr marL="2514600" indent="-228600" algn="l" defTabSz="914400" rtl="0" eaLnBrk="1" latinLnBrk="0" hangingPunct="1">
+      <a:lvl6pPr marL="1225868" indent="-111443" algn="l" defTabSz="445770" rtl="0" eaLnBrk="1" latinLnBrk="0" hangingPunct="1">
         <a:lnSpc>
           <a:spcPct val="90000"/>
         </a:lnSpc>
         <a:spcBef>
-          <a:spcPts val="500"/>
+          <a:spcPts val="244"/>
         </a:spcBef>
         <a:buFont typeface="Arial" panose="020B0604020202020204" pitchFamily="34" charset="0"/>
         <a:buChar char="•"/>
-        <a:defRPr sz="1800" kern="1200">
+        <a:defRPr sz="878" kern="1200">
           <a:solidFill>
             <a:schemeClr val="tx1"/>
           </a:solidFill>
@@ -3150,16 +2814,16 @@
           <a:cs typeface="+mn-cs"/>
         </a:defRPr>
       </a:lvl6pPr>
-      <a:lvl7pPr marL="2971800" indent="-228600" algn="l" defTabSz="914400" rtl="0" eaLnBrk="1" latinLnBrk="0" hangingPunct="1">
+      <a:lvl7pPr marL="1448753" indent="-111443" algn="l" defTabSz="445770" rtl="0" eaLnBrk="1" latinLnBrk="0" hangingPunct="1">
         <a:lnSpc>
           <a:spcPct val="90000"/>
         </a:lnSpc>
         <a:spcBef>
-          <a:spcPts val="500"/>
+          <a:spcPts val="244"/>
         </a:spcBef>
         <a:buFont typeface="Arial" panose="020B0604020202020204" pitchFamily="34" charset="0"/>
         <a:buChar char="•"/>
-        <a:defRPr sz="1800" kern="1200">
+        <a:defRPr sz="878" kern="1200">
           <a:solidFill>
             <a:schemeClr val="tx1"/>
           </a:solidFill>
@@ -3168,16 +2832,16 @@
           <a:cs typeface="+mn-cs"/>
         </a:defRPr>
       </a:lvl7pPr>
-      <a:lvl8pPr marL="3429000" indent="-228600" algn="l" defTabSz="914400" rtl="0" eaLnBrk="1" latinLnBrk="0" hangingPunct="1">
+      <a:lvl8pPr marL="1671638" indent="-111443" algn="l" defTabSz="445770" rtl="0" eaLnBrk="1" latinLnBrk="0" hangingPunct="1">
         <a:lnSpc>
           <a:spcPct val="90000"/>
         </a:lnSpc>
         <a:spcBef>
-          <a:spcPts val="500"/>
+          <a:spcPts val="244"/>
         </a:spcBef>
         <a:buFont typeface="Arial" panose="020B0604020202020204" pitchFamily="34" charset="0"/>
         <a:buChar char="•"/>
-        <a:defRPr sz="1800" kern="1200">
+        <a:defRPr sz="878" kern="1200">
           <a:solidFill>
             <a:schemeClr val="tx1"/>
           </a:solidFill>
@@ -3186,16 +2850,16 @@
           <a:cs typeface="+mn-cs"/>
         </a:defRPr>
       </a:lvl8pPr>
-      <a:lvl9pPr marL="3886200" indent="-228600" algn="l" defTabSz="914400" rtl="0" eaLnBrk="1" latinLnBrk="0" hangingPunct="1">
+      <a:lvl9pPr marL="1894523" indent="-111443" algn="l" defTabSz="445770" rtl="0" eaLnBrk="1" latinLnBrk="0" hangingPunct="1">
         <a:lnSpc>
           <a:spcPct val="90000"/>
         </a:lnSpc>
         <a:spcBef>
-          <a:spcPts val="500"/>
+          <a:spcPts val="244"/>
         </a:spcBef>
         <a:buFont typeface="Arial" panose="020B0604020202020204" pitchFamily="34" charset="0"/>
         <a:buChar char="•"/>
-        <a:defRPr sz="1800" kern="1200">
+        <a:defRPr sz="878" kern="1200">
           <a:solidFill>
             <a:schemeClr val="tx1"/>
           </a:solidFill>
@@ -3209,8 +2873,8 @@
       <a:defPPr>
         <a:defRPr lang="en-US"/>
       </a:defPPr>
-      <a:lvl1pPr marL="0" algn="l" defTabSz="914400" rtl="0" eaLnBrk="1" latinLnBrk="0" hangingPunct="1">
-        <a:defRPr sz="1800" kern="1200">
+      <a:lvl1pPr marL="0" algn="l" defTabSz="445770" rtl="0" eaLnBrk="1" latinLnBrk="0" hangingPunct="1">
+        <a:defRPr sz="878" kern="1200">
           <a:solidFill>
             <a:schemeClr val="tx1"/>
           </a:solidFill>
@@ -3219,8 +2883,8 @@
           <a:cs typeface="+mn-cs"/>
         </a:defRPr>
       </a:lvl1pPr>
-      <a:lvl2pPr marL="457200" algn="l" defTabSz="914400" rtl="0" eaLnBrk="1" latinLnBrk="0" hangingPunct="1">
-        <a:defRPr sz="1800" kern="1200">
+      <a:lvl2pPr marL="222885" algn="l" defTabSz="445770" rtl="0" eaLnBrk="1" latinLnBrk="0" hangingPunct="1">
+        <a:defRPr sz="878" kern="1200">
           <a:solidFill>
             <a:schemeClr val="tx1"/>
           </a:solidFill>
@@ -3229,8 +2893,8 @@
           <a:cs typeface="+mn-cs"/>
         </a:defRPr>
       </a:lvl2pPr>
-      <a:lvl3pPr marL="914400" algn="l" defTabSz="914400" rtl="0" eaLnBrk="1" latinLnBrk="0" hangingPunct="1">
-        <a:defRPr sz="1800" kern="1200">
+      <a:lvl3pPr marL="445770" algn="l" defTabSz="445770" rtl="0" eaLnBrk="1" latinLnBrk="0" hangingPunct="1">
+        <a:defRPr sz="878" kern="1200">
           <a:solidFill>
             <a:schemeClr val="tx1"/>
           </a:solidFill>
@@ -3239,8 +2903,8 @@
           <a:cs typeface="+mn-cs"/>
         </a:defRPr>
       </a:lvl3pPr>
-      <a:lvl4pPr marL="1371600" algn="l" defTabSz="914400" rtl="0" eaLnBrk="1" latinLnBrk="0" hangingPunct="1">
-        <a:defRPr sz="1800" kern="1200">
+      <a:lvl4pPr marL="668655" algn="l" defTabSz="445770" rtl="0" eaLnBrk="1" latinLnBrk="0" hangingPunct="1">
+        <a:defRPr sz="878" kern="1200">
           <a:solidFill>
             <a:schemeClr val="tx1"/>
           </a:solidFill>
@@ -3249,8 +2913,8 @@
           <a:cs typeface="+mn-cs"/>
         </a:defRPr>
       </a:lvl4pPr>
-      <a:lvl5pPr marL="1828800" algn="l" defTabSz="914400" rtl="0" eaLnBrk="1" latinLnBrk="0" hangingPunct="1">
-        <a:defRPr sz="1800" kern="1200">
+      <a:lvl5pPr marL="891540" algn="l" defTabSz="445770" rtl="0" eaLnBrk="1" latinLnBrk="0" hangingPunct="1">
+        <a:defRPr sz="878" kern="1200">
           <a:solidFill>
             <a:schemeClr val="tx1"/>
           </a:solidFill>
@@ -3259,8 +2923,8 @@
           <a:cs typeface="+mn-cs"/>
         </a:defRPr>
       </a:lvl5pPr>
-      <a:lvl6pPr marL="2286000" algn="l" defTabSz="914400" rtl="0" eaLnBrk="1" latinLnBrk="0" hangingPunct="1">
-        <a:defRPr sz="1800" kern="1200">
+      <a:lvl6pPr marL="1114425" algn="l" defTabSz="445770" rtl="0" eaLnBrk="1" latinLnBrk="0" hangingPunct="1">
+        <a:defRPr sz="878" kern="1200">
           <a:solidFill>
             <a:schemeClr val="tx1"/>
           </a:solidFill>
@@ -3269,8 +2933,8 @@
           <a:cs typeface="+mn-cs"/>
         </a:defRPr>
       </a:lvl6pPr>
-      <a:lvl7pPr marL="2743200" algn="l" defTabSz="914400" rtl="0" eaLnBrk="1" latinLnBrk="0" hangingPunct="1">
-        <a:defRPr sz="1800" kern="1200">
+      <a:lvl7pPr marL="1337310" algn="l" defTabSz="445770" rtl="0" eaLnBrk="1" latinLnBrk="0" hangingPunct="1">
+        <a:defRPr sz="878" kern="1200">
           <a:solidFill>
             <a:schemeClr val="tx1"/>
           </a:solidFill>
@@ -3279,8 +2943,8 @@
           <a:cs typeface="+mn-cs"/>
         </a:defRPr>
       </a:lvl7pPr>
-      <a:lvl8pPr marL="3200400" algn="l" defTabSz="914400" rtl="0" eaLnBrk="1" latinLnBrk="0" hangingPunct="1">
-        <a:defRPr sz="1800" kern="1200">
+      <a:lvl8pPr marL="1560195" algn="l" defTabSz="445770" rtl="0" eaLnBrk="1" latinLnBrk="0" hangingPunct="1">
+        <a:defRPr sz="878" kern="1200">
           <a:solidFill>
             <a:schemeClr val="tx1"/>
           </a:solidFill>
@@ -3289,8 +2953,8 @@
           <a:cs typeface="+mn-cs"/>
         </a:defRPr>
       </a:lvl8pPr>
-      <a:lvl9pPr marL="3657600" algn="l" defTabSz="914400" rtl="0" eaLnBrk="1" latinLnBrk="0" hangingPunct="1">
-        <a:defRPr sz="1800" kern="1200">
+      <a:lvl9pPr marL="1783080" algn="l" defTabSz="445770" rtl="0" eaLnBrk="1" latinLnBrk="0" hangingPunct="1">
+        <a:defRPr sz="878" kern="1200">
           <a:solidFill>
             <a:schemeClr val="tx1"/>
           </a:solidFill>
@@ -3335,10 +2999,10 @@
         </p:nvGrpSpPr>
         <p:grpSpPr>
           <a:xfrm>
-            <a:off x="3526930" y="2091463"/>
-            <a:ext cx="5911447" cy="2619168"/>
+            <a:off x="-164688" y="0"/>
+            <a:ext cx="5819227" cy="2619168"/>
             <a:chOff x="3526930" y="2091463"/>
-            <a:chExt cx="5911447" cy="2619168"/>
+            <a:chExt cx="5819227" cy="2619168"/>
           </a:xfrm>
         </p:grpSpPr>
         <p:sp>
@@ -3769,8 +3433,8 @@
             </a:p>
           </p:txBody>
         </p:sp>
-        <mc:AlternateContent xmlns:mc="http://schemas.openxmlformats.org/markup-compatibility/2006">
-          <mc:Choice xmlns:a14="http://schemas.microsoft.com/office/drawing/2010/main" Requires="a14">
+        <mc:AlternateContent xmlns:mc="http://schemas.openxmlformats.org/markup-compatibility/2006" xmlns:a14="http://schemas.microsoft.com/office/drawing/2010/main">
+          <mc:Choice Requires="a14">
             <p:sp>
               <p:nvSpPr>
                 <p:cNvPr id="18" name="TextBox 17">
@@ -3832,7 +3496,7 @@
               </p:txBody>
             </p:sp>
           </mc:Choice>
-          <mc:Fallback>
+          <mc:Fallback xmlns="">
             <p:sp>
               <p:nvSpPr>
                 <p:cNvPr id="18" name="TextBox 17">
@@ -3877,8 +3541,8 @@
             </p:sp>
           </mc:Fallback>
         </mc:AlternateContent>
-        <mc:AlternateContent xmlns:mc="http://schemas.openxmlformats.org/markup-compatibility/2006">
-          <mc:Choice xmlns:a14="http://schemas.microsoft.com/office/drawing/2010/main" Requires="a14">
+        <mc:AlternateContent xmlns:mc="http://schemas.openxmlformats.org/markup-compatibility/2006" xmlns:a14="http://schemas.microsoft.com/office/drawing/2010/main">
+          <mc:Choice Requires="a14">
             <p:sp>
               <p:nvSpPr>
                 <p:cNvPr id="19" name="TextBox 18">
@@ -3918,14 +3582,14 @@
                           <m:accPr>
                             <m:chr m:val="̂"/>
                             <m:ctrlPr>
-                              <a:rPr lang="en-US" sz="2000" b="1" i="1" smtClean="0">
+                              <a:rPr lang="en-US" sz="2000" b="1" i="1">
                                 <a:latin typeface="Cambria Math" panose="02040503050406030204" pitchFamily="18" charset="0"/>
                               </a:rPr>
                             </m:ctrlPr>
                           </m:accPr>
                           <m:e>
                             <m:r>
-                              <a:rPr lang="en-US" sz="2000" b="1" i="1" smtClean="0">
+                              <a:rPr lang="en-US" sz="2000" b="1" i="1">
                                 <a:latin typeface="Cambria Math" panose="02040503050406030204" pitchFamily="18" charset="0"/>
                               </a:rPr>
                               <m:t>𝒛</m:t>
@@ -3940,7 +3604,7 @@
               </p:txBody>
             </p:sp>
           </mc:Choice>
-          <mc:Fallback>
+          <mc:Fallback xmlns="">
             <p:sp>
               <p:nvSpPr>
                 <p:cNvPr id="19" name="TextBox 18">
@@ -3985,8 +3649,8 @@
             </p:sp>
           </mc:Fallback>
         </mc:AlternateContent>
-        <mc:AlternateContent xmlns:mc="http://schemas.openxmlformats.org/markup-compatibility/2006">
-          <mc:Choice xmlns:a14="http://schemas.microsoft.com/office/drawing/2010/main" Requires="a14">
+        <mc:AlternateContent xmlns:mc="http://schemas.openxmlformats.org/markup-compatibility/2006" xmlns:a14="http://schemas.microsoft.com/office/drawing/2010/main">
+          <mc:Choice Requires="a14">
             <p:sp>
               <p:nvSpPr>
                 <p:cNvPr id="20" name="TextBox 19">
@@ -4026,7 +3690,7 @@
                           <m:accPr>
                             <m:chr m:val="̂"/>
                             <m:ctrlPr>
-                              <a:rPr lang="en-US" sz="2000" b="1" i="1" smtClean="0">
+                              <a:rPr lang="en-US" sz="2000" b="1" i="1">
                                 <a:solidFill>
                                   <a:schemeClr val="accent1"/>
                                 </a:solidFill>
@@ -4047,7 +3711,7 @@
                           </m:e>
                         </m:acc>
                         <m:r>
-                          <a:rPr lang="en-US" sz="2000" b="1" i="1" smtClean="0">
+                          <a:rPr lang="en-US" sz="2000" b="1" i="1">
                             <a:solidFill>
                               <a:schemeClr val="accent1"/>
                             </a:solidFill>
@@ -4067,7 +3731,7 @@
               </p:txBody>
             </p:sp>
           </mc:Choice>
-          <mc:Fallback>
+          <mc:Fallback xmlns="">
             <p:sp>
               <p:nvSpPr>
                 <p:cNvPr id="20" name="TextBox 19">
@@ -4112,8 +3776,8 @@
             </p:sp>
           </mc:Fallback>
         </mc:AlternateContent>
-        <mc:AlternateContent xmlns:mc="http://schemas.openxmlformats.org/markup-compatibility/2006">
-          <mc:Choice xmlns:a14="http://schemas.microsoft.com/office/drawing/2010/main" Requires="a14">
+        <mc:AlternateContent xmlns:mc="http://schemas.openxmlformats.org/markup-compatibility/2006" xmlns:a14="http://schemas.microsoft.com/office/drawing/2010/main">
+          <mc:Choice Requires="a14">
             <p:sp>
               <p:nvSpPr>
                 <p:cNvPr id="21" name="TextBox 20">
@@ -4153,7 +3817,7 @@
                           <m:accPr>
                             <m:chr m:val="̂"/>
                             <m:ctrlPr>
-                              <a:rPr lang="en-US" sz="2000" b="1" i="1" smtClean="0">
+                              <a:rPr lang="en-US" sz="2000" b="1" i="1">
                                 <a:solidFill>
                                   <a:schemeClr val="accent1"/>
                                 </a:solidFill>
@@ -4163,7 +3827,7 @@
                           </m:accPr>
                           <m:e>
                             <m:r>
-                              <a:rPr lang="en-US" sz="2000" b="1" i="1" smtClean="0">
+                              <a:rPr lang="en-US" sz="2000" b="1" i="1">
                                 <a:solidFill>
                                   <a:schemeClr val="accent1"/>
                                 </a:solidFill>
@@ -4174,7 +3838,7 @@
                           </m:e>
                         </m:acc>
                         <m:r>
-                          <a:rPr lang="en-US" sz="2000" b="1" i="1" smtClean="0">
+                          <a:rPr lang="en-US" sz="2000" b="1" i="1">
                             <a:solidFill>
                               <a:schemeClr val="accent1"/>
                             </a:solidFill>
@@ -4194,7 +3858,7 @@
               </p:txBody>
             </p:sp>
           </mc:Choice>
-          <mc:Fallback>
+          <mc:Fallback xmlns="">
             <p:sp>
               <p:nvSpPr>
                 <p:cNvPr id="21" name="TextBox 20">
@@ -4267,7 +3931,6 @@
             </a:bodyPr>
             <a:lstStyle/>
             <a:p>
-              <a:pPr/>
               <a:r>
                 <a:rPr lang="el-GR" sz="2000" dirty="0">
                   <a:solidFill>
@@ -4276,7 +3939,7 @@
                     </a:schemeClr>
                   </a:solidFill>
                 </a:rPr>
-                <a:t>θ</a:t>
+                <a:t>β</a:t>
               </a:r>
               <a:endParaRPr lang="en-US" sz="2000" dirty="0">
                 <a:solidFill>
@@ -4384,8 +4047,8 @@
             </a:fontRef>
           </p:style>
         </p:cxnSp>
-        <mc:AlternateContent xmlns:mc="http://schemas.openxmlformats.org/markup-compatibility/2006">
-          <mc:Choice xmlns:a14="http://schemas.microsoft.com/office/drawing/2010/main" Requires="a14">
+        <mc:AlternateContent xmlns:mc="http://schemas.openxmlformats.org/markup-compatibility/2006" xmlns:a14="http://schemas.microsoft.com/office/drawing/2010/main">
+          <mc:Choice Requires="a14">
             <p:sp>
               <p:nvSpPr>
                 <p:cNvPr id="32" name="TextBox 31">
@@ -4400,8 +4063,8 @@
               </p:nvSpPr>
               <p:spPr>
                 <a:xfrm>
-                  <a:off x="8981177" y="2585206"/>
-                  <a:ext cx="457200" cy="665567"/>
+                  <a:off x="8888957" y="2584243"/>
+                  <a:ext cx="457200" cy="667490"/>
                 </a:xfrm>
                 <a:prstGeom prst="rect">
                   <a:avLst/>
@@ -4414,6 +4077,7 @@
                 </a:bodyPr>
                 <a:lstStyle/>
                 <a:p>
+                  <a:pPr/>
                   <a14:m>
                     <m:oMathPara xmlns:m="http://schemas.openxmlformats.org/officeDocument/2006/math">
                       <m:oMathParaPr>
@@ -4433,46 +4097,47 @@
                               <m:rPr>
                                 <m:sty m:val="p"/>
                               </m:rPr>
-                              <a:rPr lang="en-US" b="0" i="0" smtClean="0">
+                              <a:rPr lang="en-US">
                                 <a:latin typeface="Cambria Math" panose="02040503050406030204" pitchFamily="18" charset="0"/>
                               </a:rPr>
                               <m:t>∇</m:t>
                             </m:r>
                             <m:r>
-                              <a:rPr lang="en-US" b="1" i="1" smtClean="0">
+                              <a:rPr lang="en-US" b="1" i="1">
                                 <a:latin typeface="Cambria Math" panose="02040503050406030204" pitchFamily="18" charset="0"/>
                               </a:rPr>
                               <m:t>𝒇</m:t>
                             </m:r>
                           </m:num>
                           <m:den>
-                            <m:r>
-                              <a:rPr lang="en-US" b="0" i="1" smtClean="0">
-                                <a:latin typeface="Cambria Math" panose="02040503050406030204" pitchFamily="18" charset="0"/>
-                              </a:rPr>
-                              <m:t>|</m:t>
-                            </m:r>
-                            <m:r>
-                              <m:rPr>
-                                <m:sty m:val="p"/>
-                              </m:rPr>
-                              <a:rPr lang="en-US" b="0" i="0" smtClean="0">
-                                <a:latin typeface="Cambria Math" panose="02040503050406030204" pitchFamily="18" charset="0"/>
-                              </a:rPr>
-                              <m:t>∇</m:t>
-                            </m:r>
-                            <m:r>
-                              <a:rPr lang="en-US" b="1" i="1" smtClean="0">
-                                <a:latin typeface="Cambria Math" panose="02040503050406030204" pitchFamily="18" charset="0"/>
-                              </a:rPr>
-                              <m:t>𝒇</m:t>
-                            </m:r>
-                            <m:r>
-                              <a:rPr lang="en-US" b="0" i="1" smtClean="0">
-                                <a:latin typeface="Cambria Math" panose="02040503050406030204" pitchFamily="18" charset="0"/>
-                              </a:rPr>
-                              <m:t>|</m:t>
-                            </m:r>
+                            <m:d>
+                              <m:dPr>
+                                <m:begChr m:val="|"/>
+                                <m:endChr m:val="|"/>
+                                <m:ctrlPr>
+                                  <a:rPr lang="en-US" i="1">
+                                    <a:latin typeface="Cambria Math" panose="02040503050406030204" pitchFamily="18" charset="0"/>
+                                  </a:rPr>
+                                </m:ctrlPr>
+                              </m:dPr>
+                              <m:e>
+                                <m:r>
+                                  <m:rPr>
+                                    <m:sty m:val="p"/>
+                                  </m:rPr>
+                                  <a:rPr lang="en-US">
+                                    <a:latin typeface="Cambria Math" panose="02040503050406030204" pitchFamily="18" charset="0"/>
+                                  </a:rPr>
+                                  <m:t>∇</m:t>
+                                </m:r>
+                                <m:r>
+                                  <a:rPr lang="en-US" b="1" i="1">
+                                    <a:latin typeface="Cambria Math" panose="02040503050406030204" pitchFamily="18" charset="0"/>
+                                  </a:rPr>
+                                  <m:t>𝒇</m:t>
+                                </m:r>
+                              </m:e>
+                            </m:d>
                           </m:den>
                         </m:f>
                       </m:oMath>
@@ -4483,7 +4148,7 @@
               </p:txBody>
             </p:sp>
           </mc:Choice>
-          <mc:Fallback>
+          <mc:Fallback xmlns="">
             <p:sp>
               <p:nvSpPr>
                 <p:cNvPr id="32" name="TextBox 31">
@@ -4500,8 +4165,8 @@
               </p:nvSpPr>
               <p:spPr>
                 <a:xfrm>
-                  <a:off x="8981177" y="2585206"/>
-                  <a:ext cx="457200" cy="665567"/>
+                  <a:off x="8888957" y="2584243"/>
+                  <a:ext cx="457200" cy="667490"/>
                 </a:xfrm>
                 <a:prstGeom prst="rect">
                   <a:avLst/>
@@ -4509,7 +4174,7 @@
                 <a:blipFill>
                   <a:blip r:embed="rId6"/>
                   <a:stretch>
-                    <a:fillRect r="-10667"/>
+                    <a:fillRect r="-9333"/>
                   </a:stretch>
                 </a:blipFill>
               </p:spPr>
@@ -4528,55 +4193,148 @@
             </p:sp>
           </mc:Fallback>
         </mc:AlternateContent>
-        <p:sp>
-          <p:nvSpPr>
-            <p:cNvPr id="43" name="TextBox 42">
-              <a:extLst>
-                <a:ext uri="{FF2B5EF4-FFF2-40B4-BE49-F238E27FC236}">
-                  <a16:creationId xmlns:a16="http://schemas.microsoft.com/office/drawing/2014/main" id="{A1088509-C668-410A-A75D-BAFFEB0E3ABB}"/>
-                </a:ext>
-              </a:extLst>
-            </p:cNvPr>
-            <p:cNvSpPr txBox="1"/>
-            <p:nvPr/>
-          </p:nvSpPr>
-          <p:spPr>
-            <a:xfrm>
-              <a:off x="8128830" y="2538091"/>
-              <a:ext cx="269759" cy="400110"/>
-            </a:xfrm>
-            <a:prstGeom prst="rect">
-              <a:avLst/>
-            </a:prstGeom>
-            <a:noFill/>
-          </p:spPr>
-          <p:txBody>
-            <a:bodyPr wrap="square" rtlCol="0">
-              <a:spAutoFit/>
-            </a:bodyPr>
-            <a:lstStyle/>
-            <a:p>
-              <a:pPr/>
-              <a:r>
-                <a:rPr lang="el-GR" sz="2000" dirty="0">
-                  <a:solidFill>
-                    <a:schemeClr val="bg2">
-                      <a:lumMod val="50000"/>
-                    </a:schemeClr>
-                  </a:solidFill>
-                </a:rPr>
-                <a:t>φ</a:t>
-              </a:r>
-              <a:endParaRPr lang="en-US" sz="2000" dirty="0">
-                <a:solidFill>
-                  <a:schemeClr val="bg2">
-                    <a:lumMod val="50000"/>
-                  </a:schemeClr>
-                </a:solidFill>
-              </a:endParaRPr>
-            </a:p>
-          </p:txBody>
-        </p:sp>
+        <mc:AlternateContent xmlns:mc="http://schemas.openxmlformats.org/markup-compatibility/2006" xmlns:a14="http://schemas.microsoft.com/office/drawing/2010/main">
+          <mc:Choice Requires="a14">
+            <p:sp>
+              <p:nvSpPr>
+                <p:cNvPr id="43" name="TextBox 42">
+                  <a:extLst>
+                    <a:ext uri="{FF2B5EF4-FFF2-40B4-BE49-F238E27FC236}">
+                      <a16:creationId xmlns:a16="http://schemas.microsoft.com/office/drawing/2014/main" id="{A1088509-C668-410A-A75D-BAFFEB0E3ABB}"/>
+                    </a:ext>
+                  </a:extLst>
+                </p:cNvPr>
+                <p:cNvSpPr txBox="1"/>
+                <p:nvPr/>
+              </p:nvSpPr>
+              <p:spPr>
+                <a:xfrm>
+                  <a:off x="8208410" y="2497928"/>
+                  <a:ext cx="555972" cy="424796"/>
+                </a:xfrm>
+                <a:prstGeom prst="rect">
+                  <a:avLst/>
+                </a:prstGeom>
+                <a:noFill/>
+              </p:spPr>
+              <p:txBody>
+                <a:bodyPr wrap="square" rtlCol="0">
+                  <a:spAutoFit/>
+                </a:bodyPr>
+                <a:lstStyle/>
+                <a:p>
+                  <a:pPr/>
+                  <a14:m>
+                    <m:oMathPara xmlns:m="http://schemas.openxmlformats.org/officeDocument/2006/math">
+                      <m:oMathParaPr>
+                        <m:jc m:val="centerGroup"/>
+                      </m:oMathParaPr>
+                      <m:oMath xmlns:m="http://schemas.openxmlformats.org/officeDocument/2006/math">
+                        <m:sSub>
+                          <m:sSubPr>
+                            <m:ctrlPr>
+                              <a:rPr lang="el-GR" sz="2000" i="1" smtClean="0">
+                                <a:solidFill>
+                                  <a:schemeClr val="bg2">
+                                    <a:lumMod val="50000"/>
+                                  </a:schemeClr>
+                                </a:solidFill>
+                                <a:latin typeface="Cambria Math" panose="02040503050406030204" pitchFamily="18" charset="0"/>
+                              </a:rPr>
+                            </m:ctrlPr>
+                          </m:sSubPr>
+                          <m:e>
+                            <m:r>
+                              <m:rPr>
+                                <m:sty m:val="p"/>
+                              </m:rPr>
+                              <a:rPr lang="en-US" sz="2000" i="1" smtClean="0">
+                                <a:solidFill>
+                                  <a:schemeClr val="bg2">
+                                    <a:lumMod val="50000"/>
+                                  </a:schemeClr>
+                                </a:solidFill>
+                                <a:latin typeface="Cambria Math" panose="02040503050406030204" pitchFamily="18" charset="0"/>
+                              </a:rPr>
+                              <m:t>ϕ</m:t>
+                            </m:r>
+                          </m:e>
+                          <m:sub>
+                            <m:r>
+                              <m:rPr>
+                                <m:sty m:val="p"/>
+                              </m:rPr>
+                              <a:rPr lang="en-US" sz="2000" b="0" i="0" smtClean="0">
+                                <a:solidFill>
+                                  <a:schemeClr val="bg2">
+                                    <a:lumMod val="50000"/>
+                                  </a:schemeClr>
+                                </a:solidFill>
+                                <a:latin typeface="Cambria Math" panose="02040503050406030204" pitchFamily="18" charset="0"/>
+                              </a:rPr>
+                              <m:t>jet</m:t>
+                            </m:r>
+                          </m:sub>
+                        </m:sSub>
+                      </m:oMath>
+                    </m:oMathPara>
+                  </a14:m>
+                  <a:endParaRPr lang="en-US" sz="2000" dirty="0">
+                    <a:solidFill>
+                      <a:schemeClr val="bg2">
+                        <a:lumMod val="50000"/>
+                      </a:schemeClr>
+                    </a:solidFill>
+                  </a:endParaRPr>
+                </a:p>
+              </p:txBody>
+            </p:sp>
+          </mc:Choice>
+          <mc:Fallback xmlns="">
+            <p:sp>
+              <p:nvSpPr>
+                <p:cNvPr id="43" name="TextBox 42">
+                  <a:extLst>
+                    <a:ext uri="{FF2B5EF4-FFF2-40B4-BE49-F238E27FC236}">
+                      <a16:creationId xmlns:a16="http://schemas.microsoft.com/office/drawing/2014/main" id="{A1088509-C668-410A-A75D-BAFFEB0E3ABB}"/>
+                    </a:ext>
+                  </a:extLst>
+                </p:cNvPr>
+                <p:cNvSpPr txBox="1">
+                  <a:spLocks noRot="1" noChangeAspect="1" noMove="1" noResize="1" noEditPoints="1" noAdjustHandles="1" noChangeArrowheads="1" noChangeShapeType="1" noTextEdit="1"/>
+                </p:cNvSpPr>
+                <p:nvPr/>
+              </p:nvSpPr>
+              <p:spPr>
+                <a:xfrm>
+                  <a:off x="8208410" y="2497928"/>
+                  <a:ext cx="555972" cy="424796"/>
+                </a:xfrm>
+                <a:prstGeom prst="rect">
+                  <a:avLst/>
+                </a:prstGeom>
+                <a:blipFill>
+                  <a:blip r:embed="rId7"/>
+                  <a:stretch>
+                    <a:fillRect l="-4396" r="-7692" b="-13043"/>
+                  </a:stretch>
+                </a:blipFill>
+              </p:spPr>
+              <p:txBody>
+                <a:bodyPr/>
+                <a:lstStyle/>
+                <a:p>
+                  <a:r>
+                    <a:rPr lang="en-US">
+                      <a:noFill/>
+                    </a:rPr>
+                    <a:t> </a:t>
+                  </a:r>
+                </a:p>
+              </p:txBody>
+            </p:sp>
+          </mc:Fallback>
+        </mc:AlternateContent>
       </p:grpSp>
     </p:spTree>
     <p:extLst>
@@ -4594,7 +4352,7 @@
 <file path=ppt/theme/theme1.xml><?xml version="1.0" encoding="utf-8"?>
 <a:theme xmlns:a="http://schemas.openxmlformats.org/drawingml/2006/main" name="Office Theme">
   <a:themeElements>
-    <a:clrScheme name="Office">
+    <a:clrScheme name="Office Theme">
       <a:dk1>
         <a:sysClr val="windowText" lastClr="000000"/>
       </a:dk1>
@@ -4632,7 +4390,7 @@
         <a:srgbClr val="954F72"/>
       </a:folHlink>
     </a:clrScheme>
-    <a:fontScheme name="Office">
+    <a:fontScheme name="Office Theme">
       <a:majorFont>
         <a:latin typeface="Calibri Light" panose="020F0302020204030204"/>
         <a:ea typeface=""/>
@@ -4667,23 +4425,6 @@
         <a:font script="Viet" typeface="Times New Roman"/>
         <a:font script="Uigh" typeface="Microsoft Uighur"/>
         <a:font script="Geor" typeface="Sylfaen"/>
-        <a:font script="Armn" typeface="Arial"/>
-        <a:font script="Bugi" typeface="Leelawadee UI"/>
-        <a:font script="Bopo" typeface="Microsoft JhengHei"/>
-        <a:font script="Java" typeface="Javanese Text"/>
-        <a:font script="Lisu" typeface="Segoe UI"/>
-        <a:font script="Mymr" typeface="Myanmar Text"/>
-        <a:font script="Nkoo" typeface="Ebrima"/>
-        <a:font script="Olck" typeface="Nirmala UI"/>
-        <a:font script="Osma" typeface="Ebrima"/>
-        <a:font script="Phag" typeface="Phagspa"/>
-        <a:font script="Syrn" typeface="Estrangelo Edessa"/>
-        <a:font script="Syrj" typeface="Estrangelo Edessa"/>
-        <a:font script="Syre" typeface="Estrangelo Edessa"/>
-        <a:font script="Sora" typeface="Nirmala UI"/>
-        <a:font script="Tale" typeface="Microsoft Tai Le"/>
-        <a:font script="Talu" typeface="Microsoft New Tai Lue"/>
-        <a:font script="Tfng" typeface="Ebrima"/>
       </a:majorFont>
       <a:minorFont>
         <a:latin typeface="Calibri" panose="020F0502020204030204"/>
@@ -4719,26 +4460,9 @@
         <a:font script="Viet" typeface="Arial"/>
         <a:font script="Uigh" typeface="Microsoft Uighur"/>
         <a:font script="Geor" typeface="Sylfaen"/>
-        <a:font script="Armn" typeface="Arial"/>
-        <a:font script="Bugi" typeface="Leelawadee UI"/>
-        <a:font script="Bopo" typeface="Microsoft JhengHei"/>
-        <a:font script="Java" typeface="Javanese Text"/>
-        <a:font script="Lisu" typeface="Segoe UI"/>
-        <a:font script="Mymr" typeface="Myanmar Text"/>
-        <a:font script="Nkoo" typeface="Ebrima"/>
-        <a:font script="Olck" typeface="Nirmala UI"/>
-        <a:font script="Osma" typeface="Ebrima"/>
-        <a:font script="Phag" typeface="Phagspa"/>
-        <a:font script="Syrn" typeface="Estrangelo Edessa"/>
-        <a:font script="Syrj" typeface="Estrangelo Edessa"/>
-        <a:font script="Syre" typeface="Estrangelo Edessa"/>
-        <a:font script="Sora" typeface="Nirmala UI"/>
-        <a:font script="Tale" typeface="Microsoft Tai Le"/>
-        <a:font script="Talu" typeface="Microsoft New Tai Lue"/>
-        <a:font script="Tfng" typeface="Ebrima"/>
       </a:minorFont>
     </a:fontScheme>
-    <a:fmtScheme name="Office">
+    <a:fmtScheme name="Office Theme">
       <a:fillStyleLst>
         <a:solidFill>
           <a:schemeClr val="phClr"/>
